--- a/images/수정이미지.pptx
+++ b/images/수정이미지.pptx
@@ -8,6 +8,8 @@
     <p:sldId id="256" r:id="rId2"/>
     <p:sldId id="257" r:id="rId3"/>
     <p:sldId id="258" r:id="rId4"/>
+    <p:sldId id="259" r:id="rId5"/>
+    <p:sldId id="260" r:id="rId6"/>
   </p:sldIdLst>
   <p:sldSz cx="12192000" cy="6858000"/>
   <p:notesSz cx="6858000" cy="9144000"/>
@@ -106,6 +108,11 @@
       </a:defRPr>
     </a:lvl9pPr>
   </p:defaultTextStyle>
+  <p:extLst>
+    <p:ext uri="{EFAFB233-063F-42B5-8137-9DF3F51BA10A}">
+      <p15:sldGuideLst xmlns:p15="http://schemas.microsoft.com/office/powerpoint/2012/main"/>
+    </p:ext>
+  </p:extLst>
 </p:presentation>
 </file>
 
@@ -256,7 +263,7 @@
           <a:p>
             <a:fld id="{00DE5D93-869D-4870-88F7-A00EF7354BDD}" type="datetimeFigureOut">
               <a:rPr lang="ko-KR" altLang="en-US" smtClean="0"/>
-              <a:t>2021-04-28</a:t>
+              <a:t>2021-05-07</a:t>
             </a:fld>
             <a:endParaRPr lang="ko-KR" altLang="en-US"/>
           </a:p>
@@ -454,7 +461,7 @@
           <a:p>
             <a:fld id="{00DE5D93-869D-4870-88F7-A00EF7354BDD}" type="datetimeFigureOut">
               <a:rPr lang="ko-KR" altLang="en-US" smtClean="0"/>
-              <a:t>2021-04-28</a:t>
+              <a:t>2021-05-07</a:t>
             </a:fld>
             <a:endParaRPr lang="ko-KR" altLang="en-US"/>
           </a:p>
@@ -662,7 +669,7 @@
           <a:p>
             <a:fld id="{00DE5D93-869D-4870-88F7-A00EF7354BDD}" type="datetimeFigureOut">
               <a:rPr lang="ko-KR" altLang="en-US" smtClean="0"/>
-              <a:t>2021-04-28</a:t>
+              <a:t>2021-05-07</a:t>
             </a:fld>
             <a:endParaRPr lang="ko-KR" altLang="en-US"/>
           </a:p>
@@ -860,7 +867,7 @@
           <a:p>
             <a:fld id="{00DE5D93-869D-4870-88F7-A00EF7354BDD}" type="datetimeFigureOut">
               <a:rPr lang="ko-KR" altLang="en-US" smtClean="0"/>
-              <a:t>2021-04-28</a:t>
+              <a:t>2021-05-07</a:t>
             </a:fld>
             <a:endParaRPr lang="ko-KR" altLang="en-US"/>
           </a:p>
@@ -1135,7 +1142,7 @@
           <a:p>
             <a:fld id="{00DE5D93-869D-4870-88F7-A00EF7354BDD}" type="datetimeFigureOut">
               <a:rPr lang="ko-KR" altLang="en-US" smtClean="0"/>
-              <a:t>2021-04-28</a:t>
+              <a:t>2021-05-07</a:t>
             </a:fld>
             <a:endParaRPr lang="ko-KR" altLang="en-US"/>
           </a:p>
@@ -1400,7 +1407,7 @@
           <a:p>
             <a:fld id="{00DE5D93-869D-4870-88F7-A00EF7354BDD}" type="datetimeFigureOut">
               <a:rPr lang="ko-KR" altLang="en-US" smtClean="0"/>
-              <a:t>2021-04-28</a:t>
+              <a:t>2021-05-07</a:t>
             </a:fld>
             <a:endParaRPr lang="ko-KR" altLang="en-US"/>
           </a:p>
@@ -1812,7 +1819,7 @@
           <a:p>
             <a:fld id="{00DE5D93-869D-4870-88F7-A00EF7354BDD}" type="datetimeFigureOut">
               <a:rPr lang="ko-KR" altLang="en-US" smtClean="0"/>
-              <a:t>2021-04-28</a:t>
+              <a:t>2021-05-07</a:t>
             </a:fld>
             <a:endParaRPr lang="ko-KR" altLang="en-US"/>
           </a:p>
@@ -1953,7 +1960,7 @@
           <a:p>
             <a:fld id="{00DE5D93-869D-4870-88F7-A00EF7354BDD}" type="datetimeFigureOut">
               <a:rPr lang="ko-KR" altLang="en-US" smtClean="0"/>
-              <a:t>2021-04-28</a:t>
+              <a:t>2021-05-07</a:t>
             </a:fld>
             <a:endParaRPr lang="ko-KR" altLang="en-US"/>
           </a:p>
@@ -2066,7 +2073,7 @@
           <a:p>
             <a:fld id="{00DE5D93-869D-4870-88F7-A00EF7354BDD}" type="datetimeFigureOut">
               <a:rPr lang="ko-KR" altLang="en-US" smtClean="0"/>
-              <a:t>2021-04-28</a:t>
+              <a:t>2021-05-07</a:t>
             </a:fld>
             <a:endParaRPr lang="ko-KR" altLang="en-US"/>
           </a:p>
@@ -2377,7 +2384,7 @@
           <a:p>
             <a:fld id="{00DE5D93-869D-4870-88F7-A00EF7354BDD}" type="datetimeFigureOut">
               <a:rPr lang="ko-KR" altLang="en-US" smtClean="0"/>
-              <a:t>2021-04-28</a:t>
+              <a:t>2021-05-07</a:t>
             </a:fld>
             <a:endParaRPr lang="ko-KR" altLang="en-US"/>
           </a:p>
@@ -2665,7 +2672,7 @@
           <a:p>
             <a:fld id="{00DE5D93-869D-4870-88F7-A00EF7354BDD}" type="datetimeFigureOut">
               <a:rPr lang="ko-KR" altLang="en-US" smtClean="0"/>
-              <a:t>2021-04-28</a:t>
+              <a:t>2021-05-07</a:t>
             </a:fld>
             <a:endParaRPr lang="ko-KR" altLang="en-US"/>
           </a:p>
@@ -2906,7 +2913,7 @@
           <a:p>
             <a:fld id="{00DE5D93-869D-4870-88F7-A00EF7354BDD}" type="datetimeFigureOut">
               <a:rPr lang="ko-KR" altLang="en-US" smtClean="0"/>
-              <a:t>2021-04-28</a:t>
+              <a:t>2021-05-07</a:t>
             </a:fld>
             <a:endParaRPr lang="ko-KR" altLang="en-US"/>
           </a:p>
@@ -3323,131 +3330,210 @@
           <a:chExt cx="0" cy="0"/>
         </a:xfrm>
       </p:grpSpPr>
-      <p:pic>
-        <p:nvPicPr>
-          <p:cNvPr id="8" name="그림 7">
-            <a:extLst>
-              <a:ext uri="{FF2B5EF4-FFF2-40B4-BE49-F238E27FC236}">
-                <a16:creationId xmlns:a16="http://schemas.microsoft.com/office/drawing/2014/main" id="{2D9BD9E7-B0B4-4C3C-A7E8-EBA9BE1FF2CE}"/>
-              </a:ext>
-            </a:extLst>
-          </p:cNvPr>
-          <p:cNvPicPr>
-            <a:picLocks noChangeAspect="1"/>
-          </p:cNvPicPr>
+      <p:grpSp>
+        <p:nvGrpSpPr>
+          <p:cNvPr id="3" name="그룹 2">
+            <a:extLst>
+              <a:ext uri="{FF2B5EF4-FFF2-40B4-BE49-F238E27FC236}">
+                <a16:creationId xmlns:a16="http://schemas.microsoft.com/office/drawing/2014/main" id="{93955666-2E2D-4DA9-8451-5DE875F3EEED}"/>
+              </a:ext>
+            </a:extLst>
+          </p:cNvPr>
+          <p:cNvGrpSpPr/>
           <p:nvPr/>
-        </p:nvPicPr>
-        <p:blipFill>
-          <a:blip r:embed="rId2">
-            <a:extLst>
-              <a:ext uri="{28A0092B-C50C-407E-A947-70E740481C1C}">
-                <a14:useLocalDpi xmlns:a14="http://schemas.microsoft.com/office/drawing/2010/main" val="0"/>
-              </a:ext>
-            </a:extLst>
-          </a:blip>
-          <a:stretch>
-            <a:fillRect/>
-          </a:stretch>
-        </p:blipFill>
-        <p:spPr>
+        </p:nvGrpSpPr>
+        <p:grpSpPr>
           <a:xfrm>
-            <a:off x="0" y="2082800"/>
-            <a:ext cx="12192000" cy="1054100"/>
+            <a:off x="-2353203" y="-946785"/>
+            <a:ext cx="16549101" cy="3921495"/>
+            <a:chOff x="-2353203" y="-946785"/>
+            <a:chExt cx="16549101" cy="3921495"/>
           </a:xfrm>
-          <a:prstGeom prst="rect">
-            <a:avLst/>
-          </a:prstGeom>
-        </p:spPr>
-      </p:pic>
-      <p:pic>
-        <p:nvPicPr>
-          <p:cNvPr id="1032" name="Picture 8">
-            <a:extLst>
-              <a:ext uri="{FF2B5EF4-FFF2-40B4-BE49-F238E27FC236}">
-                <a16:creationId xmlns:a16="http://schemas.microsoft.com/office/drawing/2014/main" id="{CFC8D226-B122-429C-9429-41289A519988}"/>
-              </a:ext>
-            </a:extLst>
-          </p:cNvPr>
-          <p:cNvPicPr>
-            <a:picLocks noChangeAspect="1" noChangeArrowheads="1"/>
-          </p:cNvPicPr>
-          <p:nvPr/>
-        </p:nvPicPr>
-        <p:blipFill rotWithShape="1">
-          <a:blip r:embed="rId3">
-            <a:extLst>
-              <a:ext uri="{28A0092B-C50C-407E-A947-70E740481C1C}">
-                <a14:useLocalDpi xmlns:a14="http://schemas.microsoft.com/office/drawing/2010/main" val="0"/>
-              </a:ext>
-            </a:extLst>
-          </a:blip>
-          <a:srcRect t="25029" b="23792"/>
-          <a:stretch/>
-        </p:blipFill>
-        <p:spPr bwMode="auto">
-          <a:xfrm>
-            <a:off x="0" y="-1027112"/>
-            <a:ext cx="12192000" cy="3983037"/>
-          </a:xfrm>
-          <a:prstGeom prst="rect">
-            <a:avLst/>
-          </a:prstGeom>
-          <a:noFill/>
-          <a:extLst>
-            <a:ext uri="{909E8E84-426E-40DD-AFC4-6F175D3DCCD1}">
-              <a14:hiddenFill xmlns:a14="http://schemas.microsoft.com/office/drawing/2010/main">
-                <a:solidFill>
-                  <a:srgbClr val="FFFFFF"/>
-                </a:solidFill>
-              </a14:hiddenFill>
-            </a:ext>
-          </a:extLst>
-        </p:spPr>
-      </p:pic>
-      <p:sp>
-        <p:nvSpPr>
-          <p:cNvPr id="9" name="TextBox 8">
-            <a:extLst>
-              <a:ext uri="{FF2B5EF4-FFF2-40B4-BE49-F238E27FC236}">
-                <a16:creationId xmlns:a16="http://schemas.microsoft.com/office/drawing/2014/main" id="{D7D8A200-5E58-42FC-901E-73644C6D405B}"/>
-              </a:ext>
-            </a:extLst>
-          </p:cNvPr>
-          <p:cNvSpPr txBox="1"/>
-          <p:nvPr/>
-        </p:nvSpPr>
-        <p:spPr>
-          <a:xfrm>
-            <a:off x="4620276" y="76200"/>
-            <a:ext cx="2951449" cy="523220"/>
-          </a:xfrm>
-          <a:prstGeom prst="rect">
-            <a:avLst/>
-          </a:prstGeom>
-          <a:solidFill>
-            <a:schemeClr val="tx1">
-              <a:lumMod val="50000"/>
-              <a:lumOff val="50000"/>
-            </a:schemeClr>
-          </a:solidFill>
-        </p:spPr>
-        <p:txBody>
-          <a:bodyPr wrap="none" rtlCol="0">
-            <a:spAutoFit/>
-          </a:bodyPr>
-          <a:lstStyle/>
-          <a:p>
-            <a:r>
-              <a:rPr lang="ko-KR" altLang="en-US" sz="2800" dirty="0">
-                <a:solidFill>
-                  <a:schemeClr val="bg1"/>
-                </a:solidFill>
-              </a:rPr>
-              <a:t>고화질 사진 필요</a:t>
-            </a:r>
-          </a:p>
-        </p:txBody>
-      </p:sp>
+          <a:effectLst>
+            <a:outerShdw blurRad="50800" dist="38100" dir="2700000" algn="tl" rotWithShape="0">
+              <a:prstClr val="black">
+                <a:alpha val="40000"/>
+              </a:prstClr>
+            </a:outerShdw>
+          </a:effectLst>
+        </p:grpSpPr>
+        <p:pic>
+          <p:nvPicPr>
+            <p:cNvPr id="1034" name="Picture 10" descr="BAT Korea's Sacheon factory to adopt solar power facility">
+              <a:extLst>
+                <a:ext uri="{FF2B5EF4-FFF2-40B4-BE49-F238E27FC236}">
+                  <a16:creationId xmlns:a16="http://schemas.microsoft.com/office/drawing/2014/main" id="{D6864F21-24F5-484F-8F38-9FB186EF91B0}"/>
+                </a:ext>
+              </a:extLst>
+            </p:cNvPr>
+            <p:cNvPicPr>
+              <a:picLocks noChangeAspect="1" noChangeArrowheads="1"/>
+            </p:cNvPicPr>
+            <p:nvPr/>
+          </p:nvPicPr>
+          <p:blipFill>
+            <a:blip r:embed="rId2">
+              <a:extLst>
+                <a:ext uri="{28A0092B-C50C-407E-A947-70E740481C1C}">
+                  <a14:useLocalDpi xmlns:a14="http://schemas.microsoft.com/office/drawing/2010/main" val="0"/>
+                </a:ext>
+              </a:extLst>
+            </a:blip>
+            <a:srcRect/>
+            <a:stretch>
+              <a:fillRect/>
+            </a:stretch>
+          </p:blipFill>
+          <p:spPr bwMode="auto">
+            <a:xfrm>
+              <a:off x="-2353203" y="-946785"/>
+              <a:ext cx="5454545" cy="3600000"/>
+            </a:xfrm>
+            <a:prstGeom prst="rect">
+              <a:avLst/>
+            </a:prstGeom>
+            <a:noFill/>
+            <a:extLst>
+              <a:ext uri="{909E8E84-426E-40DD-AFC4-6F175D3DCCD1}">
+                <a14:hiddenFill xmlns:a14="http://schemas.microsoft.com/office/drawing/2010/main">
+                  <a:solidFill>
+                    <a:srgbClr val="FFFFFF"/>
+                  </a:solidFill>
+                </a14:hiddenFill>
+              </a:ext>
+            </a:extLst>
+          </p:spPr>
+        </p:pic>
+        <p:pic>
+          <p:nvPicPr>
+            <p:cNvPr id="1036" name="Picture 12">
+              <a:extLst>
+                <a:ext uri="{FF2B5EF4-FFF2-40B4-BE49-F238E27FC236}">
+                  <a16:creationId xmlns:a16="http://schemas.microsoft.com/office/drawing/2014/main" id="{352D029C-04A3-4A5A-A1CA-4CCBA13C7CC4}"/>
+                </a:ext>
+              </a:extLst>
+            </p:cNvPr>
+            <p:cNvPicPr>
+              <a:picLocks noChangeAspect="1" noChangeArrowheads="1"/>
+            </p:cNvPicPr>
+            <p:nvPr/>
+          </p:nvPicPr>
+          <p:blipFill>
+            <a:blip r:embed="rId3">
+              <a:extLst>
+                <a:ext uri="{28A0092B-C50C-407E-A947-70E740481C1C}">
+                  <a14:useLocalDpi xmlns:a14="http://schemas.microsoft.com/office/drawing/2010/main" val="0"/>
+                </a:ext>
+              </a:extLst>
+            </a:blip>
+            <a:srcRect/>
+            <a:stretch>
+              <a:fillRect/>
+            </a:stretch>
+          </p:blipFill>
+          <p:spPr bwMode="auto">
+            <a:xfrm>
+              <a:off x="3221484" y="-946785"/>
+              <a:ext cx="5427136" cy="3600000"/>
+            </a:xfrm>
+            <a:prstGeom prst="rect">
+              <a:avLst/>
+            </a:prstGeom>
+            <a:noFill/>
+            <a:extLst>
+              <a:ext uri="{909E8E84-426E-40DD-AFC4-6F175D3DCCD1}">
+                <a14:hiddenFill xmlns:a14="http://schemas.microsoft.com/office/drawing/2010/main">
+                  <a:solidFill>
+                    <a:srgbClr val="FFFFFF"/>
+                  </a:solidFill>
+                </a14:hiddenFill>
+              </a:ext>
+            </a:extLst>
+          </p:spPr>
+        </p:pic>
+        <p:pic>
+          <p:nvPicPr>
+            <p:cNvPr id="1038" name="Picture 14">
+              <a:extLst>
+                <a:ext uri="{FF2B5EF4-FFF2-40B4-BE49-F238E27FC236}">
+                  <a16:creationId xmlns:a16="http://schemas.microsoft.com/office/drawing/2014/main" id="{EE709773-BCF0-406E-A29D-93EA2ECE9B66}"/>
+                </a:ext>
+              </a:extLst>
+            </p:cNvPr>
+            <p:cNvPicPr>
+              <a:picLocks noChangeAspect="1" noChangeArrowheads="1"/>
+            </p:cNvPicPr>
+            <p:nvPr/>
+          </p:nvPicPr>
+          <p:blipFill>
+            <a:blip r:embed="rId4">
+              <a:extLst>
+                <a:ext uri="{28A0092B-C50C-407E-A947-70E740481C1C}">
+                  <a14:useLocalDpi xmlns:a14="http://schemas.microsoft.com/office/drawing/2010/main" val="0"/>
+                </a:ext>
+              </a:extLst>
+            </a:blip>
+            <a:srcRect/>
+            <a:stretch>
+              <a:fillRect/>
+            </a:stretch>
+          </p:blipFill>
+          <p:spPr bwMode="auto">
+            <a:xfrm>
+              <a:off x="8768762" y="-946785"/>
+              <a:ext cx="5427136" cy="3600000"/>
+            </a:xfrm>
+            <a:prstGeom prst="rect">
+              <a:avLst/>
+            </a:prstGeom>
+            <a:noFill/>
+            <a:extLst>
+              <a:ext uri="{909E8E84-426E-40DD-AFC4-6F175D3DCCD1}">
+                <a14:hiddenFill xmlns:a14="http://schemas.microsoft.com/office/drawing/2010/main">
+                  <a:solidFill>
+                    <a:srgbClr val="FFFFFF"/>
+                  </a:solidFill>
+                </a14:hiddenFill>
+              </a:ext>
+            </a:extLst>
+          </p:spPr>
+        </p:pic>
+        <p:pic>
+          <p:nvPicPr>
+            <p:cNvPr id="8" name="그림 7">
+              <a:extLst>
+                <a:ext uri="{FF2B5EF4-FFF2-40B4-BE49-F238E27FC236}">
+                  <a16:creationId xmlns:a16="http://schemas.microsoft.com/office/drawing/2014/main" id="{2D9BD9E7-B0B4-4C3C-A7E8-EBA9BE1FF2CE}"/>
+                </a:ext>
+              </a:extLst>
+            </p:cNvPr>
+            <p:cNvPicPr>
+              <a:picLocks noChangeAspect="1"/>
+            </p:cNvPicPr>
+            <p:nvPr/>
+          </p:nvPicPr>
+          <p:blipFill rotWithShape="1">
+            <a:blip r:embed="rId5">
+              <a:extLst>
+                <a:ext uri="{28A0092B-C50C-407E-A947-70E740481C1C}">
+                  <a14:useLocalDpi xmlns:a14="http://schemas.microsoft.com/office/drawing/2010/main" val="0"/>
+                </a:ext>
+              </a:extLst>
+            </a:blip>
+            <a:srcRect t="61624"/>
+            <a:stretch/>
+          </p:blipFill>
+          <p:spPr>
+            <a:xfrm>
+              <a:off x="-2353203" y="2653215"/>
+              <a:ext cx="16549101" cy="321495"/>
+            </a:xfrm>
+            <a:prstGeom prst="rect">
+              <a:avLst/>
+            </a:prstGeom>
+          </p:spPr>
+        </p:pic>
+      </p:grpSp>
     </p:spTree>
     <p:extLst>
       <p:ext uri="{BB962C8B-B14F-4D97-AF65-F5344CB8AC3E}">
@@ -4332,12 +4418,62 @@
           </a:prstGeom>
         </p:spPr>
       </p:pic>
+      <p:sp>
+        <p:nvSpPr>
+          <p:cNvPr id="61" name="직사각형 60">
+            <a:extLst>
+              <a:ext uri="{FF2B5EF4-FFF2-40B4-BE49-F238E27FC236}">
+                <a16:creationId xmlns:a16="http://schemas.microsoft.com/office/drawing/2014/main" id="{419E6797-F12B-4422-822C-D3A7DB37345E}"/>
+              </a:ext>
+            </a:extLst>
+          </p:cNvPr>
+          <p:cNvSpPr/>
+          <p:nvPr/>
+        </p:nvSpPr>
+        <p:spPr>
+          <a:xfrm>
+            <a:off x="-1587500" y="1079501"/>
+            <a:ext cx="15252700" cy="4610100"/>
+          </a:xfrm>
+          <a:prstGeom prst="rect">
+            <a:avLst/>
+          </a:prstGeom>
+          <a:noFill/>
+          <a:ln>
+            <a:noFill/>
+          </a:ln>
+        </p:spPr>
+        <p:style>
+          <a:lnRef idx="2">
+            <a:schemeClr val="accent1">
+              <a:shade val="50000"/>
+            </a:schemeClr>
+          </a:lnRef>
+          <a:fillRef idx="1">
+            <a:schemeClr val="accent1"/>
+          </a:fillRef>
+          <a:effectRef idx="0">
+            <a:schemeClr val="accent1"/>
+          </a:effectRef>
+          <a:fontRef idx="minor">
+            <a:schemeClr val="lt1"/>
+          </a:fontRef>
+        </p:style>
+        <p:txBody>
+          <a:bodyPr rtlCol="0" anchor="ctr"/>
+          <a:lstStyle/>
+          <a:p>
+            <a:pPr algn="ctr"/>
+            <a:endParaRPr lang="ko-KR" altLang="en-US"/>
+          </a:p>
+        </p:txBody>
+      </p:sp>
       <p:grpSp>
         <p:nvGrpSpPr>
-          <p:cNvPr id="8" name="그룹 7">
-            <a:extLst>
-              <a:ext uri="{FF2B5EF4-FFF2-40B4-BE49-F238E27FC236}">
-                <a16:creationId xmlns:a16="http://schemas.microsoft.com/office/drawing/2014/main" id="{4B981C5A-2949-4C80-A0DB-9B892B5CC6AE}"/>
+          <p:cNvPr id="3" name="그룹 2">
+            <a:extLst>
+              <a:ext uri="{FF2B5EF4-FFF2-40B4-BE49-F238E27FC236}">
+                <a16:creationId xmlns:a16="http://schemas.microsoft.com/office/drawing/2014/main" id="{58B397F5-4F9F-4753-A77C-6C70650E39D9}"/>
               </a:ext>
             </a:extLst>
           </p:cNvPr>
@@ -4346,10 +4482,10 @@
         </p:nvGrpSpPr>
         <p:grpSpPr>
           <a:xfrm>
-            <a:off x="690952" y="2031362"/>
-            <a:ext cx="10810096" cy="2795277"/>
-            <a:chOff x="497184" y="2273823"/>
-            <a:chExt cx="10810096" cy="2795277"/>
+            <a:off x="-763790" y="1931274"/>
+            <a:ext cx="13605281" cy="2906555"/>
+            <a:chOff x="-985448" y="2031362"/>
+            <a:chExt cx="13605281" cy="2906555"/>
           </a:xfrm>
         </p:grpSpPr>
         <p:sp>
@@ -4366,7 +4502,7 @@
           </p:nvSpPr>
           <p:spPr>
             <a:xfrm>
-              <a:off x="8882742" y="2273823"/>
+              <a:off x="7400110" y="2031362"/>
               <a:ext cx="2424537" cy="2310354"/>
             </a:xfrm>
             <a:prstGeom prst="ellipse">
@@ -4458,7 +4594,7 @@
           </p:nvSpPr>
           <p:spPr>
             <a:xfrm rot="5400000">
-              <a:off x="2794988" y="3332155"/>
+              <a:off x="1312356" y="3089694"/>
               <a:ext cx="624115" cy="193691"/>
             </a:xfrm>
             <a:prstGeom prst="triangle">
@@ -4510,7 +4646,7 @@
           </p:nvSpPr>
           <p:spPr>
             <a:xfrm rot="5400000">
-              <a:off x="5590174" y="3332155"/>
+              <a:off x="4107542" y="3089694"/>
               <a:ext cx="624115" cy="193691"/>
             </a:xfrm>
             <a:prstGeom prst="triangle">
@@ -4562,7 +4698,7 @@
           </p:nvSpPr>
           <p:spPr>
             <a:xfrm rot="5400000">
-              <a:off x="8385360" y="3332155"/>
+              <a:off x="6902728" y="3089694"/>
               <a:ext cx="624115" cy="193691"/>
             </a:xfrm>
             <a:prstGeom prst="triangle">
@@ -4614,7 +4750,7 @@
           </p:nvSpPr>
           <p:spPr>
             <a:xfrm>
-              <a:off x="9324230" y="3960272"/>
+              <a:off x="7841598" y="3717811"/>
               <a:ext cx="1541560" cy="261610"/>
             </a:xfrm>
             <a:prstGeom prst="rect">
@@ -4676,7 +4812,7 @@
           </p:nvSpPr>
           <p:spPr>
             <a:xfrm>
-              <a:off x="6087556" y="2273823"/>
+              <a:off x="4604924" y="2031362"/>
               <a:ext cx="2424537" cy="2310354"/>
             </a:xfrm>
             <a:prstGeom prst="ellipse">
@@ -4775,7 +4911,7 @@
           </p:nvSpPr>
           <p:spPr>
             <a:xfrm>
-              <a:off x="3292370" y="2273823"/>
+              <a:off x="1809738" y="2031362"/>
               <a:ext cx="2424537" cy="2310354"/>
             </a:xfrm>
             <a:prstGeom prst="ellipse">
@@ -4874,7 +5010,7 @@
           </p:nvSpPr>
           <p:spPr>
             <a:xfrm>
-              <a:off x="497184" y="2273823"/>
+              <a:off x="-985448" y="2031362"/>
               <a:ext cx="2424537" cy="2310354"/>
             </a:xfrm>
             <a:prstGeom prst="ellipse">
@@ -4973,7 +5109,7 @@
           </p:nvSpPr>
           <p:spPr>
             <a:xfrm>
-              <a:off x="5286376" y="4761323"/>
+              <a:off x="6598929" y="4630140"/>
               <a:ext cx="6020904" cy="307777"/>
             </a:xfrm>
             <a:prstGeom prst="rect">
@@ -5052,7 +5188,7 @@
           </p:nvSpPr>
           <p:spPr>
             <a:xfrm>
-              <a:off x="687899" y="2273823"/>
+              <a:off x="-794733" y="2031362"/>
               <a:ext cx="2043106" cy="537958"/>
             </a:xfrm>
             <a:custGeom>
@@ -5178,7 +5314,7 @@
           </p:nvSpPr>
           <p:spPr>
             <a:xfrm>
-              <a:off x="3483085" y="2273823"/>
+              <a:off x="2000453" y="2031362"/>
               <a:ext cx="2043106" cy="537958"/>
             </a:xfrm>
             <a:custGeom>
@@ -5304,7 +5440,7 @@
           </p:nvSpPr>
           <p:spPr>
             <a:xfrm>
-              <a:off x="6278271" y="2273823"/>
+              <a:off x="4795639" y="2031362"/>
               <a:ext cx="2043106" cy="537958"/>
             </a:xfrm>
             <a:custGeom>
@@ -5430,7 +5566,7 @@
           </p:nvSpPr>
           <p:spPr>
             <a:xfrm>
-              <a:off x="9073457" y="2273823"/>
+              <a:off x="7590825" y="2031362"/>
               <a:ext cx="2043106" cy="537958"/>
             </a:xfrm>
             <a:custGeom>
@@ -5542,13 +5678,1457 @@
             </a:p>
           </p:txBody>
         </p:sp>
+        <p:sp>
+          <p:nvSpPr>
+            <p:cNvPr id="18" name="타원 17">
+              <a:extLst>
+                <a:ext uri="{FF2B5EF4-FFF2-40B4-BE49-F238E27FC236}">
+                  <a16:creationId xmlns:a16="http://schemas.microsoft.com/office/drawing/2014/main" id="{F6C74FB8-0EA0-4C9E-B866-AC8D6414ED9B}"/>
+                </a:ext>
+              </a:extLst>
+            </p:cNvPr>
+            <p:cNvSpPr/>
+            <p:nvPr/>
+          </p:nvSpPr>
+          <p:spPr>
+            <a:xfrm>
+              <a:off x="10195296" y="2031362"/>
+              <a:ext cx="2424537" cy="2310354"/>
+            </a:xfrm>
+            <a:prstGeom prst="ellipse">
+              <a:avLst/>
+            </a:prstGeom>
+            <a:solidFill>
+              <a:srgbClr val="243066"/>
+            </a:solidFill>
+            <a:ln w="57150">
+              <a:solidFill>
+                <a:schemeClr val="bg1"/>
+              </a:solidFill>
+            </a:ln>
+          </p:spPr>
+          <p:style>
+            <a:lnRef idx="2">
+              <a:schemeClr val="accent1">
+                <a:shade val="50000"/>
+              </a:schemeClr>
+            </a:lnRef>
+            <a:fillRef idx="1">
+              <a:schemeClr val="accent1"/>
+            </a:fillRef>
+            <a:effectRef idx="0">
+              <a:schemeClr val="accent1"/>
+            </a:effectRef>
+            <a:fontRef idx="minor">
+              <a:schemeClr val="lt1"/>
+            </a:fontRef>
+          </p:style>
+          <p:txBody>
+            <a:bodyPr rtlCol="0" anchor="ctr"/>
+            <a:lstStyle/>
+            <a:p>
+              <a:pPr algn="ctr"/>
+              <a:endParaRPr lang="en-US" altLang="ko-KR" sz="1500" dirty="0">
+                <a:solidFill>
+                  <a:schemeClr val="bg1"/>
+                </a:solidFill>
+                <a:latin typeface="나눔스퀘어 ExtraBold" panose="020B0600000101010101" pitchFamily="50" charset="-127"/>
+                <a:ea typeface="나눔스퀘어 ExtraBold" panose="020B0600000101010101" pitchFamily="50" charset="-127"/>
+              </a:endParaRPr>
+            </a:p>
+            <a:p>
+              <a:pPr algn="ctr"/>
+              <a:r>
+                <a:rPr lang="ko-KR" altLang="en-US" sz="2800" dirty="0" err="1">
+                  <a:solidFill>
+                    <a:schemeClr val="bg1"/>
+                  </a:solidFill>
+                  <a:latin typeface="나눔스퀘어 ExtraBold" panose="020B0600000101010101" pitchFamily="50" charset="-127"/>
+                  <a:ea typeface="나눔스퀘어 ExtraBold" panose="020B0600000101010101" pitchFamily="50" charset="-127"/>
+                </a:rPr>
+                <a:t>해커톤</a:t>
+              </a:r>
+              <a:endParaRPr lang="en-US" altLang="ko-KR" sz="2800" dirty="0">
+                <a:solidFill>
+                  <a:schemeClr val="bg1"/>
+                </a:solidFill>
+                <a:latin typeface="나눔스퀘어 ExtraBold" panose="020B0600000101010101" pitchFamily="50" charset="-127"/>
+                <a:ea typeface="나눔스퀘어 ExtraBold" panose="020B0600000101010101" pitchFamily="50" charset="-127"/>
+              </a:endParaRPr>
+            </a:p>
+            <a:p>
+              <a:pPr algn="ctr"/>
+              <a:endParaRPr lang="en-US" altLang="ko-KR" sz="1000" dirty="0">
+                <a:solidFill>
+                  <a:schemeClr val="bg1"/>
+                </a:solidFill>
+              </a:endParaRPr>
+            </a:p>
+            <a:p>
+              <a:pPr algn="ctr"/>
+              <a:r>
+                <a:rPr lang="en-US" altLang="ko-KR" sz="1799" dirty="0">
+                  <a:solidFill>
+                    <a:schemeClr val="bg1"/>
+                  </a:solidFill>
+                </a:rPr>
+                <a:t>07/21~07/23</a:t>
+              </a:r>
+            </a:p>
+          </p:txBody>
+        </p:sp>
+        <p:sp>
+          <p:nvSpPr>
+            <p:cNvPr id="19" name="이등변 삼각형 18">
+              <a:extLst>
+                <a:ext uri="{FF2B5EF4-FFF2-40B4-BE49-F238E27FC236}">
+                  <a16:creationId xmlns:a16="http://schemas.microsoft.com/office/drawing/2014/main" id="{D0F95F36-DBC7-4027-AE8F-FB962FEF8237}"/>
+                </a:ext>
+              </a:extLst>
+            </p:cNvPr>
+            <p:cNvSpPr/>
+            <p:nvPr/>
+          </p:nvSpPr>
+          <p:spPr>
+            <a:xfrm rot="5400000">
+              <a:off x="9697914" y="3089694"/>
+              <a:ext cx="624115" cy="193691"/>
+            </a:xfrm>
+            <a:prstGeom prst="triangle">
+              <a:avLst/>
+            </a:prstGeom>
+            <a:solidFill>
+              <a:schemeClr val="bg1"/>
+            </a:solidFill>
+            <a:ln>
+              <a:noFill/>
+            </a:ln>
+          </p:spPr>
+          <p:style>
+            <a:lnRef idx="2">
+              <a:schemeClr val="accent1">
+                <a:shade val="50000"/>
+              </a:schemeClr>
+            </a:lnRef>
+            <a:fillRef idx="1">
+              <a:schemeClr val="accent1"/>
+            </a:fillRef>
+            <a:effectRef idx="0">
+              <a:schemeClr val="accent1"/>
+            </a:effectRef>
+            <a:fontRef idx="minor">
+              <a:schemeClr val="lt1"/>
+            </a:fontRef>
+          </p:style>
+          <p:txBody>
+            <a:bodyPr rtlCol="0" anchor="ctr"/>
+            <a:lstStyle/>
+            <a:p>
+              <a:pPr algn="ctr"/>
+              <a:endParaRPr lang="ko-KR" altLang="en-US"/>
+            </a:p>
+          </p:txBody>
+        </p:sp>
+        <p:sp>
+          <p:nvSpPr>
+            <p:cNvPr id="21" name="자유형: 도형 20">
+              <a:extLst>
+                <a:ext uri="{FF2B5EF4-FFF2-40B4-BE49-F238E27FC236}">
+                  <a16:creationId xmlns:a16="http://schemas.microsoft.com/office/drawing/2014/main" id="{EA6D0B80-B8A5-4E65-93B6-CB7D3BFB6842}"/>
+                </a:ext>
+              </a:extLst>
+            </p:cNvPr>
+            <p:cNvSpPr/>
+            <p:nvPr/>
+          </p:nvSpPr>
+          <p:spPr>
+            <a:xfrm>
+              <a:off x="10386011" y="2031362"/>
+              <a:ext cx="2043106" cy="537958"/>
+            </a:xfrm>
+            <a:custGeom>
+              <a:avLst/>
+              <a:gdLst>
+                <a:gd name="connsiteX0" fmla="*/ 1021553 w 2043106"/>
+                <a:gd name="connsiteY0" fmla="*/ 0 h 537958"/>
+                <a:gd name="connsiteX1" fmla="*/ 2026786 w 2043106"/>
+                <a:gd name="connsiteY1" fmla="*/ 509306 h 537958"/>
+                <a:gd name="connsiteX2" fmla="*/ 2043106 w 2043106"/>
+                <a:gd name="connsiteY2" fmla="*/ 537958 h 537958"/>
+                <a:gd name="connsiteX3" fmla="*/ 0 w 2043106"/>
+                <a:gd name="connsiteY3" fmla="*/ 537958 h 537958"/>
+                <a:gd name="connsiteX4" fmla="*/ 16321 w 2043106"/>
+                <a:gd name="connsiteY4" fmla="*/ 509306 h 537958"/>
+                <a:gd name="connsiteX5" fmla="*/ 1021553 w 2043106"/>
+                <a:gd name="connsiteY5" fmla="*/ 0 h 537958"/>
+              </a:gdLst>
+              <a:ahLst/>
+              <a:cxnLst>
+                <a:cxn ang="0">
+                  <a:pos x="connsiteX0" y="connsiteY0"/>
+                </a:cxn>
+                <a:cxn ang="0">
+                  <a:pos x="connsiteX1" y="connsiteY1"/>
+                </a:cxn>
+                <a:cxn ang="0">
+                  <a:pos x="connsiteX2" y="connsiteY2"/>
+                </a:cxn>
+                <a:cxn ang="0">
+                  <a:pos x="connsiteX3" y="connsiteY3"/>
+                </a:cxn>
+                <a:cxn ang="0">
+                  <a:pos x="connsiteX4" y="connsiteY4"/>
+                </a:cxn>
+                <a:cxn ang="0">
+                  <a:pos x="connsiteX5" y="connsiteY5"/>
+                </a:cxn>
+              </a:cxnLst>
+              <a:rect l="l" t="t" r="r" b="b"/>
+              <a:pathLst>
+                <a:path w="2043106" h="537958">
+                  <a:moveTo>
+                    <a:pt x="1021553" y="0"/>
+                  </a:moveTo>
+                  <a:cubicBezTo>
+                    <a:pt x="1440002" y="0"/>
+                    <a:pt x="1808932" y="202027"/>
+                    <a:pt x="2026786" y="509306"/>
+                  </a:cubicBezTo>
+                  <a:lnTo>
+                    <a:pt x="2043106" y="537958"/>
+                  </a:lnTo>
+                  <a:lnTo>
+                    <a:pt x="0" y="537958"/>
+                  </a:lnTo>
+                  <a:lnTo>
+                    <a:pt x="16321" y="509306"/>
+                  </a:lnTo>
+                  <a:cubicBezTo>
+                    <a:pt x="234174" y="202027"/>
+                    <a:pt x="603104" y="0"/>
+                    <a:pt x="1021553" y="0"/>
+                  </a:cubicBezTo>
+                  <a:close/>
+                </a:path>
+              </a:pathLst>
+            </a:custGeom>
+            <a:solidFill>
+              <a:schemeClr val="bg1"/>
+            </a:solidFill>
+            <a:ln w="57150">
+              <a:noFill/>
+            </a:ln>
+          </p:spPr>
+          <p:style>
+            <a:lnRef idx="2">
+              <a:schemeClr val="accent1">
+                <a:shade val="50000"/>
+              </a:schemeClr>
+            </a:lnRef>
+            <a:fillRef idx="1">
+              <a:schemeClr val="accent1"/>
+            </a:fillRef>
+            <a:effectRef idx="0">
+              <a:schemeClr val="accent1"/>
+            </a:effectRef>
+            <a:fontRef idx="minor">
+              <a:schemeClr val="lt1"/>
+            </a:fontRef>
+          </p:style>
+          <p:txBody>
+            <a:bodyPr wrap="square" tIns="108000" rtlCol="0" anchor="ctr">
+              <a:noAutofit/>
+            </a:bodyPr>
+            <a:lstStyle/>
+            <a:p>
+              <a:pPr algn="ctr"/>
+              <a:r>
+                <a:rPr lang="en-US" altLang="ko-KR" sz="1600" dirty="0">
+                  <a:solidFill>
+                    <a:srgbClr val="243066"/>
+                  </a:solidFill>
+                  <a:latin typeface="나눔스퀘어 ExtraBold" panose="020B0600000101010101" pitchFamily="50" charset="-127"/>
+                  <a:ea typeface="나눔스퀘어 ExtraBold" panose="020B0600000101010101" pitchFamily="50" charset="-127"/>
+                </a:rPr>
+                <a:t>Step 5</a:t>
+              </a:r>
+            </a:p>
+          </p:txBody>
+        </p:sp>
       </p:grpSp>
+    </p:spTree>
+    <p:extLst>
+      <p:ext uri="{BB962C8B-B14F-4D97-AF65-F5344CB8AC3E}">
+        <p14:creationId xmlns:p14="http://schemas.microsoft.com/office/powerpoint/2010/main" val="2144364459"/>
+      </p:ext>
+    </p:extLst>
+  </p:cSld>
+  <p:clrMapOvr>
+    <a:masterClrMapping/>
+  </p:clrMapOvr>
+</p:sld>
+</file>
+
+<file path=ppt/slides/slide4.xml><?xml version="1.0" encoding="utf-8"?>
+<p:sld xmlns:a="http://schemas.openxmlformats.org/drawingml/2006/main" xmlns:r="http://schemas.openxmlformats.org/officeDocument/2006/relationships" xmlns:p="http://schemas.openxmlformats.org/presentationml/2006/main">
+  <p:cSld>
+    <p:spTree>
+      <p:nvGrpSpPr>
+        <p:cNvPr id="1" name=""/>
+        <p:cNvGrpSpPr/>
+        <p:nvPr/>
+      </p:nvGrpSpPr>
+      <p:grpSpPr>
+        <a:xfrm>
+          <a:off x="0" y="0"/>
+          <a:ext cx="0" cy="0"/>
+          <a:chOff x="0" y="0"/>
+          <a:chExt cx="0" cy="0"/>
+        </a:xfrm>
+      </p:grpSpPr>
+      <p:pic>
+        <p:nvPicPr>
+          <p:cNvPr id="27" name="그림 26">
+            <a:extLst>
+              <a:ext uri="{FF2B5EF4-FFF2-40B4-BE49-F238E27FC236}">
+                <a16:creationId xmlns:a16="http://schemas.microsoft.com/office/drawing/2014/main" id="{9B96D226-5950-40B0-B029-F77F434EB83C}"/>
+              </a:ext>
+            </a:extLst>
+          </p:cNvPr>
+          <p:cNvPicPr>
+            <a:picLocks noChangeAspect="1"/>
+          </p:cNvPicPr>
+          <p:nvPr/>
+        </p:nvPicPr>
+        <p:blipFill>
+          <a:blip r:embed="rId2">
+            <a:extLst>
+              <a:ext uri="{28A0092B-C50C-407E-A947-70E740481C1C}">
+                <a14:useLocalDpi xmlns:a14="http://schemas.microsoft.com/office/drawing/2010/main" val="0"/>
+              </a:ext>
+            </a:extLst>
+          </a:blip>
+          <a:stretch>
+            <a:fillRect/>
+          </a:stretch>
+        </p:blipFill>
+        <p:spPr>
+          <a:xfrm>
+            <a:off x="-4352472" y="7250191"/>
+            <a:ext cx="4876190" cy="4876190"/>
+          </a:xfrm>
+          <a:prstGeom prst="rect">
+            <a:avLst/>
+          </a:prstGeom>
+        </p:spPr>
+      </p:pic>
+      <p:pic>
+        <p:nvPicPr>
+          <p:cNvPr id="31" name="그림 30">
+            <a:extLst>
+              <a:ext uri="{FF2B5EF4-FFF2-40B4-BE49-F238E27FC236}">
+                <a16:creationId xmlns:a16="http://schemas.microsoft.com/office/drawing/2014/main" id="{C46983D7-D766-49FC-AAC3-5A600D77F083}"/>
+              </a:ext>
+            </a:extLst>
+          </p:cNvPr>
+          <p:cNvPicPr>
+            <a:picLocks noChangeAspect="1"/>
+          </p:cNvPicPr>
+          <p:nvPr/>
+        </p:nvPicPr>
+        <p:blipFill>
+          <a:blip r:embed="rId3">
+            <a:extLst>
+              <a:ext uri="{28A0092B-C50C-407E-A947-70E740481C1C}">
+                <a14:useLocalDpi xmlns:a14="http://schemas.microsoft.com/office/drawing/2010/main" val="0"/>
+              </a:ext>
+            </a:extLst>
+          </a:blip>
+          <a:stretch>
+            <a:fillRect/>
+          </a:stretch>
+        </p:blipFill>
+        <p:spPr>
+          <a:xfrm>
+            <a:off x="-5371488" y="-6271084"/>
+            <a:ext cx="4876190" cy="4876190"/>
+          </a:xfrm>
+          <a:prstGeom prst="rect">
+            <a:avLst/>
+          </a:prstGeom>
+        </p:spPr>
+      </p:pic>
+      <p:pic>
+        <p:nvPicPr>
+          <p:cNvPr id="33" name="그림 32">
+            <a:extLst>
+              <a:ext uri="{FF2B5EF4-FFF2-40B4-BE49-F238E27FC236}">
+                <a16:creationId xmlns:a16="http://schemas.microsoft.com/office/drawing/2014/main" id="{79C317D8-584E-4B89-BD39-8061AD7A40CA}"/>
+              </a:ext>
+            </a:extLst>
+          </p:cNvPr>
+          <p:cNvPicPr>
+            <a:picLocks noChangeAspect="1"/>
+          </p:cNvPicPr>
+          <p:nvPr/>
+        </p:nvPicPr>
+        <p:blipFill>
+          <a:blip r:embed="rId4">
+            <a:extLst>
+              <a:ext uri="{28A0092B-C50C-407E-A947-70E740481C1C}">
+                <a14:useLocalDpi xmlns:a14="http://schemas.microsoft.com/office/drawing/2010/main" val="0"/>
+              </a:ext>
+            </a:extLst>
+          </a:blip>
+          <a:stretch>
+            <a:fillRect/>
+          </a:stretch>
+        </p:blipFill>
+        <p:spPr>
+          <a:xfrm>
+            <a:off x="13411505" y="-7067245"/>
+            <a:ext cx="4876190" cy="4876190"/>
+          </a:xfrm>
+          <a:prstGeom prst="rect">
+            <a:avLst/>
+          </a:prstGeom>
+        </p:spPr>
+      </p:pic>
+      <p:pic>
+        <p:nvPicPr>
+          <p:cNvPr id="37" name="그림 36">
+            <a:extLst>
+              <a:ext uri="{FF2B5EF4-FFF2-40B4-BE49-F238E27FC236}">
+                <a16:creationId xmlns:a16="http://schemas.microsoft.com/office/drawing/2014/main" id="{DE0B61DF-8F08-47F2-BD3C-DA34771AD28B}"/>
+              </a:ext>
+            </a:extLst>
+          </p:cNvPr>
+          <p:cNvPicPr>
+            <a:picLocks noChangeAspect="1"/>
+          </p:cNvPicPr>
+          <p:nvPr/>
+        </p:nvPicPr>
+        <p:blipFill>
+          <a:blip r:embed="rId5">
+            <a:extLst>
+              <a:ext uri="{28A0092B-C50C-407E-A947-70E740481C1C}">
+                <a14:useLocalDpi xmlns:a14="http://schemas.microsoft.com/office/drawing/2010/main" val="0"/>
+              </a:ext>
+            </a:extLst>
+          </a:blip>
+          <a:stretch>
+            <a:fillRect/>
+          </a:stretch>
+        </p:blipFill>
+        <p:spPr>
+          <a:xfrm>
+            <a:off x="3296567" y="-6271084"/>
+            <a:ext cx="4876190" cy="4876190"/>
+          </a:xfrm>
+          <a:prstGeom prst="rect">
+            <a:avLst/>
+          </a:prstGeom>
+        </p:spPr>
+      </p:pic>
+      <p:pic>
+        <p:nvPicPr>
+          <p:cNvPr id="39" name="그림 38">
+            <a:extLst>
+              <a:ext uri="{FF2B5EF4-FFF2-40B4-BE49-F238E27FC236}">
+                <a16:creationId xmlns:a16="http://schemas.microsoft.com/office/drawing/2014/main" id="{96B0B38B-B5B0-41C4-8915-3237B2D4C058}"/>
+              </a:ext>
+            </a:extLst>
+          </p:cNvPr>
+          <p:cNvPicPr>
+            <a:picLocks noChangeAspect="1"/>
+          </p:cNvPicPr>
+          <p:nvPr/>
+        </p:nvPicPr>
+        <p:blipFill>
+          <a:blip r:embed="rId6">
+            <a:extLst>
+              <a:ext uri="{28A0092B-C50C-407E-A947-70E740481C1C}">
+                <a14:useLocalDpi xmlns:a14="http://schemas.microsoft.com/office/drawing/2010/main" val="0"/>
+              </a:ext>
+            </a:extLst>
+          </a:blip>
+          <a:stretch>
+            <a:fillRect/>
+          </a:stretch>
+        </p:blipFill>
+        <p:spPr>
+          <a:xfrm>
+            <a:off x="-856945" y="-6305948"/>
+            <a:ext cx="4876190" cy="4876190"/>
+          </a:xfrm>
+          <a:prstGeom prst="rect">
+            <a:avLst/>
+          </a:prstGeom>
+        </p:spPr>
+      </p:pic>
+      <p:pic>
+        <p:nvPicPr>
+          <p:cNvPr id="41" name="그림 40">
+            <a:extLst>
+              <a:ext uri="{FF2B5EF4-FFF2-40B4-BE49-F238E27FC236}">
+                <a16:creationId xmlns:a16="http://schemas.microsoft.com/office/drawing/2014/main" id="{38022C13-BECA-45F3-A631-8F39258AB4E0}"/>
+              </a:ext>
+            </a:extLst>
+          </p:cNvPr>
+          <p:cNvPicPr>
+            <a:picLocks noChangeAspect="1"/>
+          </p:cNvPicPr>
+          <p:nvPr/>
+        </p:nvPicPr>
+        <p:blipFill>
+          <a:blip r:embed="rId7">
+            <a:extLst>
+              <a:ext uri="{28A0092B-C50C-407E-A947-70E740481C1C}">
+                <a14:useLocalDpi xmlns:a14="http://schemas.microsoft.com/office/drawing/2010/main" val="0"/>
+              </a:ext>
+            </a:extLst>
+          </a:blip>
+          <a:stretch>
+            <a:fillRect/>
+          </a:stretch>
+        </p:blipFill>
+        <p:spPr>
+          <a:xfrm>
+            <a:off x="4263072" y="7734605"/>
+            <a:ext cx="2160000" cy="2160000"/>
+          </a:xfrm>
+          <a:prstGeom prst="rect">
+            <a:avLst/>
+          </a:prstGeom>
+        </p:spPr>
+      </p:pic>
       <p:sp>
         <p:nvSpPr>
-          <p:cNvPr id="61" name="직사각형 60">
-            <a:extLst>
-              <a:ext uri="{FF2B5EF4-FFF2-40B4-BE49-F238E27FC236}">
-                <a16:creationId xmlns:a16="http://schemas.microsoft.com/office/drawing/2014/main" id="{419E6797-F12B-4422-822C-D3A7DB37345E}"/>
+          <p:cNvPr id="47" name="TextBox 46">
+            <a:extLst>
+              <a:ext uri="{FF2B5EF4-FFF2-40B4-BE49-F238E27FC236}">
+                <a16:creationId xmlns:a16="http://schemas.microsoft.com/office/drawing/2014/main" id="{91357794-54E4-437F-80AF-EE578E714062}"/>
+              </a:ext>
+            </a:extLst>
+          </p:cNvPr>
+          <p:cNvSpPr txBox="1"/>
+          <p:nvPr/>
+        </p:nvSpPr>
+        <p:spPr>
+          <a:xfrm>
+            <a:off x="0" y="-553590"/>
+            <a:ext cx="12487274" cy="369332"/>
+          </a:xfrm>
+          <a:prstGeom prst="rect">
+            <a:avLst/>
+          </a:prstGeom>
+          <a:noFill/>
+        </p:spPr>
+        <p:txBody>
+          <a:bodyPr wrap="square">
+            <a:spAutoFit/>
+          </a:bodyPr>
+          <a:lstStyle/>
+          <a:p>
+            <a:r>
+              <a:rPr lang="ko-KR" altLang="en-US" dirty="0"/>
+              <a:t>https://www.flaticon.com/packs/mentoring-and-training?word=business</a:t>
+            </a:r>
+          </a:p>
+        </p:txBody>
+      </p:sp>
+      <p:grpSp>
+        <p:nvGrpSpPr>
+          <p:cNvPr id="75" name="그룹 74">
+            <a:extLst>
+              <a:ext uri="{FF2B5EF4-FFF2-40B4-BE49-F238E27FC236}">
+                <a16:creationId xmlns:a16="http://schemas.microsoft.com/office/drawing/2014/main" id="{C0B92C94-5AC5-4C70-8689-0038C8F03292}"/>
+              </a:ext>
+            </a:extLst>
+          </p:cNvPr>
+          <p:cNvGrpSpPr/>
+          <p:nvPr/>
+        </p:nvGrpSpPr>
+        <p:grpSpPr>
+          <a:xfrm>
+            <a:off x="4888065" y="1025769"/>
+            <a:ext cx="3683000" cy="4806462"/>
+            <a:chOff x="4634064" y="1025769"/>
+            <a:chExt cx="3683000" cy="4806462"/>
+          </a:xfrm>
+        </p:grpSpPr>
+        <p:sp>
+          <p:nvSpPr>
+            <p:cNvPr id="9" name="사각형: 둥근 모서리 8">
+              <a:extLst>
+                <a:ext uri="{FF2B5EF4-FFF2-40B4-BE49-F238E27FC236}">
+                  <a16:creationId xmlns:a16="http://schemas.microsoft.com/office/drawing/2014/main" id="{91BFAFE7-54A6-443D-BB18-38503E42F22C}"/>
+                </a:ext>
+              </a:extLst>
+            </p:cNvPr>
+            <p:cNvSpPr/>
+            <p:nvPr/>
+          </p:nvSpPr>
+          <p:spPr>
+            <a:xfrm>
+              <a:off x="4634064" y="1025769"/>
+              <a:ext cx="3683000" cy="4806462"/>
+            </a:xfrm>
+            <a:prstGeom prst="roundRect">
+              <a:avLst>
+                <a:gd name="adj" fmla="val 6619"/>
+              </a:avLst>
+            </a:prstGeom>
+            <a:solidFill>
+              <a:schemeClr val="bg1"/>
+            </a:solidFill>
+            <a:ln w="76200">
+              <a:solidFill>
+                <a:srgbClr val="243066"/>
+              </a:solidFill>
+            </a:ln>
+          </p:spPr>
+          <p:style>
+            <a:lnRef idx="2">
+              <a:schemeClr val="accent1">
+                <a:shade val="50000"/>
+              </a:schemeClr>
+            </a:lnRef>
+            <a:fillRef idx="1">
+              <a:schemeClr val="accent1"/>
+            </a:fillRef>
+            <a:effectRef idx="0">
+              <a:schemeClr val="accent1"/>
+            </a:effectRef>
+            <a:fontRef idx="minor">
+              <a:schemeClr val="lt1"/>
+            </a:fontRef>
+          </p:style>
+          <p:txBody>
+            <a:bodyPr rtlCol="0" anchor="b"/>
+            <a:lstStyle/>
+            <a:p>
+              <a:pPr algn="ctr"/>
+              <a:r>
+                <a:rPr lang="en-US" altLang="ko-KR" sz="3200" dirty="0" err="1">
+                  <a:solidFill>
+                    <a:srgbClr val="243066"/>
+                  </a:solidFill>
+                  <a:latin typeface="나눔스퀘어 ExtraBold" panose="020B0600000101010101" pitchFamily="50" charset="-127"/>
+                  <a:ea typeface="나눔스퀘어 ExtraBold" panose="020B0600000101010101" pitchFamily="50" charset="-127"/>
+                </a:rPr>
+                <a:t>PoC</a:t>
+              </a:r>
+              <a:r>
+                <a:rPr lang="en-US" altLang="ko-KR" sz="3200" dirty="0">
+                  <a:solidFill>
+                    <a:srgbClr val="243066"/>
+                  </a:solidFill>
+                  <a:latin typeface="나눔스퀘어 ExtraBold" panose="020B0600000101010101" pitchFamily="50" charset="-127"/>
+                  <a:ea typeface="나눔스퀘어 ExtraBold" panose="020B0600000101010101" pitchFamily="50" charset="-127"/>
+                </a:rPr>
+                <a:t> </a:t>
+              </a:r>
+              <a:r>
+                <a:rPr lang="ko-KR" altLang="en-US" sz="3200" dirty="0">
+                  <a:solidFill>
+                    <a:srgbClr val="243066"/>
+                  </a:solidFill>
+                  <a:latin typeface="나눔스퀘어 ExtraBold" panose="020B0600000101010101" pitchFamily="50" charset="-127"/>
+                  <a:ea typeface="나눔스퀘어 ExtraBold" panose="020B0600000101010101" pitchFamily="50" charset="-127"/>
+                </a:rPr>
+                <a:t>기회 제공</a:t>
+              </a:r>
+              <a:endParaRPr lang="en-US" altLang="ko-KR" sz="3200" dirty="0">
+                <a:solidFill>
+                  <a:srgbClr val="243066"/>
+                </a:solidFill>
+                <a:latin typeface="나눔스퀘어 ExtraBold" panose="020B0600000101010101" pitchFamily="50" charset="-127"/>
+                <a:ea typeface="나눔스퀘어 ExtraBold" panose="020B0600000101010101" pitchFamily="50" charset="-127"/>
+              </a:endParaRPr>
+            </a:p>
+            <a:p>
+              <a:pPr algn="ctr"/>
+              <a:endParaRPr lang="ko-KR" altLang="en-US" sz="3800" dirty="0">
+                <a:solidFill>
+                  <a:srgbClr val="243066"/>
+                </a:solidFill>
+                <a:latin typeface="나눔스퀘어 ExtraBold" panose="020B0600000101010101" pitchFamily="50" charset="-127"/>
+                <a:ea typeface="나눔스퀘어 ExtraBold" panose="020B0600000101010101" pitchFamily="50" charset="-127"/>
+              </a:endParaRPr>
+            </a:p>
+          </p:txBody>
+        </p:sp>
+        <p:pic>
+          <p:nvPicPr>
+            <p:cNvPr id="29" name="그림 28">
+              <a:extLst>
+                <a:ext uri="{FF2B5EF4-FFF2-40B4-BE49-F238E27FC236}">
+                  <a16:creationId xmlns:a16="http://schemas.microsoft.com/office/drawing/2014/main" id="{1052BF1A-6B4C-43DF-BEE9-8FF4CE1103AC}"/>
+                </a:ext>
+              </a:extLst>
+            </p:cNvPr>
+            <p:cNvPicPr>
+              <a:picLocks noChangeAspect="1"/>
+            </p:cNvPicPr>
+            <p:nvPr/>
+          </p:nvPicPr>
+          <p:blipFill>
+            <a:blip r:embed="rId8">
+              <a:duotone>
+                <a:prstClr val="black"/>
+                <a:schemeClr val="tx2">
+                  <a:tint val="45000"/>
+                  <a:satMod val="400000"/>
+                </a:schemeClr>
+              </a:duotone>
+              <a:extLst>
+                <a:ext uri="{28A0092B-C50C-407E-A947-70E740481C1C}">
+                  <a14:useLocalDpi xmlns:a14="http://schemas.microsoft.com/office/drawing/2010/main" val="0"/>
+                </a:ext>
+              </a:extLst>
+            </a:blip>
+            <a:stretch>
+              <a:fillRect/>
+            </a:stretch>
+          </p:blipFill>
+          <p:spPr>
+            <a:xfrm>
+              <a:off x="5588260" y="1939846"/>
+              <a:ext cx="1980000" cy="1980000"/>
+            </a:xfrm>
+            <a:prstGeom prst="rect">
+              <a:avLst/>
+            </a:prstGeom>
+          </p:spPr>
+        </p:pic>
+      </p:grpSp>
+      <p:grpSp>
+        <p:nvGrpSpPr>
+          <p:cNvPr id="73" name="그룹 72">
+            <a:extLst>
+              <a:ext uri="{FF2B5EF4-FFF2-40B4-BE49-F238E27FC236}">
+                <a16:creationId xmlns:a16="http://schemas.microsoft.com/office/drawing/2014/main" id="{ADBA8243-098A-48FE-82ED-4CDE885AC84E}"/>
+              </a:ext>
+            </a:extLst>
+          </p:cNvPr>
+          <p:cNvGrpSpPr/>
+          <p:nvPr/>
+        </p:nvGrpSpPr>
+        <p:grpSpPr>
+          <a:xfrm>
+            <a:off x="13052729" y="1025769"/>
+            <a:ext cx="3683000" cy="4806462"/>
+            <a:chOff x="12544729" y="1025769"/>
+            <a:chExt cx="3683000" cy="4806462"/>
+          </a:xfrm>
+        </p:grpSpPr>
+        <p:sp>
+          <p:nvSpPr>
+            <p:cNvPr id="7" name="사각형: 둥근 모서리 6">
+              <a:extLst>
+                <a:ext uri="{FF2B5EF4-FFF2-40B4-BE49-F238E27FC236}">
+                  <a16:creationId xmlns:a16="http://schemas.microsoft.com/office/drawing/2014/main" id="{68A28270-34C5-456D-B3F1-9F10D48007C1}"/>
+                </a:ext>
+              </a:extLst>
+            </p:cNvPr>
+            <p:cNvSpPr/>
+            <p:nvPr/>
+          </p:nvSpPr>
+          <p:spPr>
+            <a:xfrm>
+              <a:off x="12544729" y="1025769"/>
+              <a:ext cx="3683000" cy="4806462"/>
+            </a:xfrm>
+            <a:prstGeom prst="roundRect">
+              <a:avLst>
+                <a:gd name="adj" fmla="val 6619"/>
+              </a:avLst>
+            </a:prstGeom>
+            <a:solidFill>
+              <a:schemeClr val="bg1"/>
+            </a:solidFill>
+            <a:ln w="76200">
+              <a:solidFill>
+                <a:srgbClr val="243066"/>
+              </a:solidFill>
+            </a:ln>
+          </p:spPr>
+          <p:style>
+            <a:lnRef idx="2">
+              <a:schemeClr val="accent1">
+                <a:shade val="50000"/>
+              </a:schemeClr>
+            </a:lnRef>
+            <a:fillRef idx="1">
+              <a:schemeClr val="accent1"/>
+            </a:fillRef>
+            <a:effectRef idx="0">
+              <a:schemeClr val="accent1"/>
+            </a:effectRef>
+            <a:fontRef idx="minor">
+              <a:schemeClr val="lt1"/>
+            </a:fontRef>
+          </p:style>
+          <p:txBody>
+            <a:bodyPr rtlCol="0" anchor="b"/>
+            <a:lstStyle/>
+            <a:p>
+              <a:pPr algn="ctr"/>
+              <a:r>
+                <a:rPr lang="ko-KR" altLang="en-US" sz="3200" dirty="0">
+                  <a:solidFill>
+                    <a:srgbClr val="243066"/>
+                  </a:solidFill>
+                  <a:latin typeface="나눔스퀘어 ExtraBold" panose="020B0600000101010101" pitchFamily="50" charset="-127"/>
+                  <a:ea typeface="나눔스퀘어 ExtraBold" panose="020B0600000101010101" pitchFamily="50" charset="-127"/>
+                </a:rPr>
+                <a:t>후속 사업 연계</a:t>
+              </a:r>
+              <a:endParaRPr lang="en-US" altLang="ko-KR" sz="3200" dirty="0">
+                <a:solidFill>
+                  <a:srgbClr val="243066"/>
+                </a:solidFill>
+                <a:latin typeface="나눔스퀘어 ExtraBold" panose="020B0600000101010101" pitchFamily="50" charset="-127"/>
+                <a:ea typeface="나눔스퀘어 ExtraBold" panose="020B0600000101010101" pitchFamily="50" charset="-127"/>
+              </a:endParaRPr>
+            </a:p>
+            <a:p>
+              <a:pPr algn="ctr"/>
+              <a:r>
+                <a:rPr lang="ko-KR" altLang="en-US" sz="3200" dirty="0">
+                  <a:solidFill>
+                    <a:srgbClr val="243066"/>
+                  </a:solidFill>
+                  <a:latin typeface="나눔스퀘어 ExtraBold" panose="020B0600000101010101" pitchFamily="50" charset="-127"/>
+                  <a:ea typeface="나눔스퀘어 ExtraBold" panose="020B0600000101010101" pitchFamily="50" charset="-127"/>
+                </a:rPr>
+                <a:t>기회 제공</a:t>
+              </a:r>
+              <a:endParaRPr lang="en-US" altLang="ko-KR" sz="3200" dirty="0">
+                <a:solidFill>
+                  <a:srgbClr val="243066"/>
+                </a:solidFill>
+                <a:latin typeface="나눔스퀘어 ExtraBold" panose="020B0600000101010101" pitchFamily="50" charset="-127"/>
+                <a:ea typeface="나눔스퀘어 ExtraBold" panose="020B0600000101010101" pitchFamily="50" charset="-127"/>
+              </a:endParaRPr>
+            </a:p>
+            <a:p>
+              <a:pPr algn="ctr"/>
+              <a:endParaRPr lang="ko-KR" altLang="en-US" sz="2000" dirty="0">
+                <a:solidFill>
+                  <a:srgbClr val="243066"/>
+                </a:solidFill>
+                <a:latin typeface="나눔스퀘어 ExtraBold" panose="020B0600000101010101" pitchFamily="50" charset="-127"/>
+                <a:ea typeface="나눔스퀘어 ExtraBold" panose="020B0600000101010101" pitchFamily="50" charset="-127"/>
+              </a:endParaRPr>
+            </a:p>
+          </p:txBody>
+        </p:sp>
+        <p:pic>
+          <p:nvPicPr>
+            <p:cNvPr id="35" name="그림 34">
+              <a:extLst>
+                <a:ext uri="{FF2B5EF4-FFF2-40B4-BE49-F238E27FC236}">
+                  <a16:creationId xmlns:a16="http://schemas.microsoft.com/office/drawing/2014/main" id="{455D82C7-EFD1-4F1A-AC6C-76D34823A0AD}"/>
+                </a:ext>
+              </a:extLst>
+            </p:cNvPr>
+            <p:cNvPicPr>
+              <a:picLocks noChangeAspect="1"/>
+            </p:cNvPicPr>
+            <p:nvPr/>
+          </p:nvPicPr>
+          <p:blipFill>
+            <a:blip r:embed="rId9">
+              <a:duotone>
+                <a:prstClr val="black"/>
+                <a:schemeClr val="tx2">
+                  <a:tint val="45000"/>
+                  <a:satMod val="400000"/>
+                </a:schemeClr>
+              </a:duotone>
+              <a:extLst>
+                <a:ext uri="{28A0092B-C50C-407E-A947-70E740481C1C}">
+                  <a14:useLocalDpi xmlns:a14="http://schemas.microsoft.com/office/drawing/2010/main" val="0"/>
+                </a:ext>
+              </a:extLst>
+            </a:blip>
+            <a:stretch>
+              <a:fillRect/>
+            </a:stretch>
+          </p:blipFill>
+          <p:spPr>
+            <a:xfrm>
+              <a:off x="13396229" y="1939846"/>
+              <a:ext cx="1980000" cy="1980000"/>
+            </a:xfrm>
+            <a:prstGeom prst="rect">
+              <a:avLst/>
+            </a:prstGeom>
+          </p:spPr>
+        </p:pic>
+      </p:grpSp>
+      <p:grpSp>
+        <p:nvGrpSpPr>
+          <p:cNvPr id="77" name="그룹 76">
+            <a:extLst>
+              <a:ext uri="{FF2B5EF4-FFF2-40B4-BE49-F238E27FC236}">
+                <a16:creationId xmlns:a16="http://schemas.microsoft.com/office/drawing/2014/main" id="{0596E20F-F2B8-4999-9444-0EBF81806B89}"/>
+              </a:ext>
+            </a:extLst>
+          </p:cNvPr>
+          <p:cNvGrpSpPr/>
+          <p:nvPr/>
+        </p:nvGrpSpPr>
+        <p:grpSpPr>
+          <a:xfrm>
+            <a:off x="-3276601" y="1025769"/>
+            <a:ext cx="3683000" cy="4806462"/>
+            <a:chOff x="-3276601" y="1025769"/>
+            <a:chExt cx="3683000" cy="4806462"/>
+          </a:xfrm>
+        </p:grpSpPr>
+        <p:sp>
+          <p:nvSpPr>
+            <p:cNvPr id="5" name="사각형: 둥근 모서리 4">
+              <a:extLst>
+                <a:ext uri="{FF2B5EF4-FFF2-40B4-BE49-F238E27FC236}">
+                  <a16:creationId xmlns:a16="http://schemas.microsoft.com/office/drawing/2014/main" id="{04CA0CF6-7CC8-459F-8FEF-1F3609FB944A}"/>
+                </a:ext>
+              </a:extLst>
+            </p:cNvPr>
+            <p:cNvSpPr/>
+            <p:nvPr/>
+          </p:nvSpPr>
+          <p:spPr>
+            <a:xfrm>
+              <a:off x="-3276601" y="1025769"/>
+              <a:ext cx="3683000" cy="4806462"/>
+            </a:xfrm>
+            <a:prstGeom prst="roundRect">
+              <a:avLst>
+                <a:gd name="adj" fmla="val 6619"/>
+              </a:avLst>
+            </a:prstGeom>
+            <a:solidFill>
+              <a:schemeClr val="bg1"/>
+            </a:solidFill>
+            <a:ln w="76200">
+              <a:solidFill>
+                <a:srgbClr val="243066"/>
+              </a:solidFill>
+            </a:ln>
+          </p:spPr>
+          <p:style>
+            <a:lnRef idx="2">
+              <a:schemeClr val="accent1">
+                <a:shade val="50000"/>
+              </a:schemeClr>
+            </a:lnRef>
+            <a:fillRef idx="1">
+              <a:schemeClr val="accent1"/>
+            </a:fillRef>
+            <a:effectRef idx="0">
+              <a:schemeClr val="accent1"/>
+            </a:effectRef>
+            <a:fontRef idx="minor">
+              <a:schemeClr val="lt1"/>
+            </a:fontRef>
+          </p:style>
+          <p:txBody>
+            <a:bodyPr rtlCol="0" anchor="b"/>
+            <a:lstStyle/>
+            <a:p>
+              <a:pPr algn="ctr"/>
+              <a:r>
+                <a:rPr lang="ko-KR" altLang="en-US" sz="3200" dirty="0" err="1">
+                  <a:solidFill>
+                    <a:srgbClr val="243066"/>
+                  </a:solidFill>
+                  <a:latin typeface="나눔스퀘어 ExtraBold" panose="020B0600000101010101" pitchFamily="50" charset="-127"/>
+                  <a:ea typeface="나눔스퀘어 ExtraBold" panose="020B0600000101010101" pitchFamily="50" charset="-127"/>
+                </a:rPr>
+                <a:t>우수팀</a:t>
+              </a:r>
+              <a:r>
+                <a:rPr lang="ko-KR" altLang="en-US" sz="3200" dirty="0">
+                  <a:solidFill>
+                    <a:srgbClr val="243066"/>
+                  </a:solidFill>
+                  <a:latin typeface="나눔스퀘어 ExtraBold" panose="020B0600000101010101" pitchFamily="50" charset="-127"/>
+                  <a:ea typeface="나눔스퀘어 ExtraBold" panose="020B0600000101010101" pitchFamily="50" charset="-127"/>
+                </a:rPr>
+                <a:t> 상금 지급</a:t>
+              </a:r>
+              <a:endParaRPr lang="en-US" altLang="ko-KR" sz="3200" dirty="0">
+                <a:solidFill>
+                  <a:srgbClr val="243066"/>
+                </a:solidFill>
+                <a:latin typeface="나눔스퀘어 ExtraBold" panose="020B0600000101010101" pitchFamily="50" charset="-127"/>
+                <a:ea typeface="나눔스퀘어 ExtraBold" panose="020B0600000101010101" pitchFamily="50" charset="-127"/>
+              </a:endParaRPr>
+            </a:p>
+            <a:p>
+              <a:pPr algn="ctr"/>
+              <a:endParaRPr lang="en-US" altLang="ko-KR" sz="3800" dirty="0">
+                <a:solidFill>
+                  <a:srgbClr val="243066"/>
+                </a:solidFill>
+                <a:latin typeface="나눔스퀘어 ExtraBold" panose="020B0600000101010101" pitchFamily="50" charset="-127"/>
+                <a:ea typeface="나눔스퀘어 ExtraBold" panose="020B0600000101010101" pitchFamily="50" charset="-127"/>
+              </a:endParaRPr>
+            </a:p>
+          </p:txBody>
+        </p:sp>
+        <p:pic>
+          <p:nvPicPr>
+            <p:cNvPr id="43" name="그림 42">
+              <a:extLst>
+                <a:ext uri="{FF2B5EF4-FFF2-40B4-BE49-F238E27FC236}">
+                  <a16:creationId xmlns:a16="http://schemas.microsoft.com/office/drawing/2014/main" id="{143E09B0-2B04-4201-A3F4-C2A0088754D7}"/>
+                </a:ext>
+              </a:extLst>
+            </p:cNvPr>
+            <p:cNvPicPr>
+              <a:picLocks noChangeAspect="1"/>
+            </p:cNvPicPr>
+            <p:nvPr/>
+          </p:nvPicPr>
+          <p:blipFill>
+            <a:blip r:embed="rId10">
+              <a:duotone>
+                <a:prstClr val="black"/>
+                <a:schemeClr val="tx2">
+                  <a:tint val="45000"/>
+                  <a:satMod val="400000"/>
+                </a:schemeClr>
+              </a:duotone>
+              <a:extLst>
+                <a:ext uri="{28A0092B-C50C-407E-A947-70E740481C1C}">
+                  <a14:useLocalDpi xmlns:a14="http://schemas.microsoft.com/office/drawing/2010/main" val="0"/>
+                </a:ext>
+              </a:extLst>
+            </a:blip>
+            <a:stretch>
+              <a:fillRect/>
+            </a:stretch>
+          </p:blipFill>
+          <p:spPr>
+            <a:xfrm>
+              <a:off x="-2422416" y="1939846"/>
+              <a:ext cx="1980000" cy="1980000"/>
+            </a:xfrm>
+            <a:prstGeom prst="rect">
+              <a:avLst/>
+            </a:prstGeom>
+          </p:spPr>
+        </p:pic>
+      </p:grpSp>
+      <p:grpSp>
+        <p:nvGrpSpPr>
+          <p:cNvPr id="76" name="그룹 75">
+            <a:extLst>
+              <a:ext uri="{FF2B5EF4-FFF2-40B4-BE49-F238E27FC236}">
+                <a16:creationId xmlns:a16="http://schemas.microsoft.com/office/drawing/2014/main" id="{C4630821-599F-400E-8579-9579482A5FE0}"/>
+              </a:ext>
+            </a:extLst>
+          </p:cNvPr>
+          <p:cNvGrpSpPr/>
+          <p:nvPr/>
+        </p:nvGrpSpPr>
+        <p:grpSpPr>
+          <a:xfrm>
+            <a:off x="805732" y="1025769"/>
+            <a:ext cx="3683000" cy="4806462"/>
+            <a:chOff x="678732" y="1025769"/>
+            <a:chExt cx="3683000" cy="4806462"/>
+          </a:xfrm>
+        </p:grpSpPr>
+        <p:sp>
+          <p:nvSpPr>
+            <p:cNvPr id="6" name="사각형: 둥근 모서리 5">
+              <a:extLst>
+                <a:ext uri="{FF2B5EF4-FFF2-40B4-BE49-F238E27FC236}">
+                  <a16:creationId xmlns:a16="http://schemas.microsoft.com/office/drawing/2014/main" id="{78BCD528-478F-4C02-8307-2AAA702EEA46}"/>
+                </a:ext>
+              </a:extLst>
+            </p:cNvPr>
+            <p:cNvSpPr/>
+            <p:nvPr/>
+          </p:nvSpPr>
+          <p:spPr>
+            <a:xfrm>
+              <a:off x="678732" y="1025769"/>
+              <a:ext cx="3683000" cy="4806462"/>
+            </a:xfrm>
+            <a:prstGeom prst="roundRect">
+              <a:avLst>
+                <a:gd name="adj" fmla="val 6619"/>
+              </a:avLst>
+            </a:prstGeom>
+            <a:solidFill>
+              <a:schemeClr val="bg1"/>
+            </a:solidFill>
+            <a:ln w="76200">
+              <a:solidFill>
+                <a:srgbClr val="243066"/>
+              </a:solidFill>
+            </a:ln>
+          </p:spPr>
+          <p:style>
+            <a:lnRef idx="2">
+              <a:schemeClr val="accent1">
+                <a:shade val="50000"/>
+              </a:schemeClr>
+            </a:lnRef>
+            <a:fillRef idx="1">
+              <a:schemeClr val="accent1"/>
+            </a:fillRef>
+            <a:effectRef idx="0">
+              <a:schemeClr val="accent1"/>
+            </a:effectRef>
+            <a:fontRef idx="minor">
+              <a:schemeClr val="lt1"/>
+            </a:fontRef>
+          </p:style>
+          <p:txBody>
+            <a:bodyPr rtlCol="0" anchor="b"/>
+            <a:lstStyle/>
+            <a:p>
+              <a:pPr algn="ctr"/>
+              <a:r>
+                <a:rPr lang="ko-KR" altLang="en-US" sz="3200" dirty="0">
+                  <a:solidFill>
+                    <a:srgbClr val="243066"/>
+                  </a:solidFill>
+                  <a:latin typeface="나눔스퀘어 ExtraBold" panose="020B0600000101010101" pitchFamily="50" charset="-127"/>
+                  <a:ea typeface="나눔스퀘어 ExtraBold" panose="020B0600000101010101" pitchFamily="50" charset="-127"/>
+                </a:rPr>
+                <a:t>비즈니스 모델 </a:t>
+              </a:r>
+              <a:endParaRPr lang="en-US" altLang="ko-KR" sz="3200" dirty="0">
+                <a:solidFill>
+                  <a:srgbClr val="243066"/>
+                </a:solidFill>
+                <a:latin typeface="나눔스퀘어 ExtraBold" panose="020B0600000101010101" pitchFamily="50" charset="-127"/>
+                <a:ea typeface="나눔스퀘어 ExtraBold" panose="020B0600000101010101" pitchFamily="50" charset="-127"/>
+              </a:endParaRPr>
+            </a:p>
+            <a:p>
+              <a:pPr algn="ctr"/>
+              <a:r>
+                <a:rPr lang="ko-KR" altLang="en-US" sz="3200" dirty="0">
+                  <a:solidFill>
+                    <a:srgbClr val="243066"/>
+                  </a:solidFill>
+                  <a:latin typeface="나눔스퀘어 ExtraBold" panose="020B0600000101010101" pitchFamily="50" charset="-127"/>
+                  <a:ea typeface="나눔스퀘어 ExtraBold" panose="020B0600000101010101" pitchFamily="50" charset="-127"/>
+                </a:rPr>
+                <a:t>고도화</a:t>
+              </a:r>
+              <a:endParaRPr lang="en-US" altLang="ko-KR" sz="3200" dirty="0">
+                <a:solidFill>
+                  <a:srgbClr val="243066"/>
+                </a:solidFill>
+                <a:latin typeface="나눔스퀘어 ExtraBold" panose="020B0600000101010101" pitchFamily="50" charset="-127"/>
+                <a:ea typeface="나눔스퀘어 ExtraBold" panose="020B0600000101010101" pitchFamily="50" charset="-127"/>
+              </a:endParaRPr>
+            </a:p>
+            <a:p>
+              <a:pPr algn="ctr"/>
+              <a:endParaRPr lang="en-US" altLang="ko-KR" sz="2000" dirty="0">
+                <a:solidFill>
+                  <a:srgbClr val="243066"/>
+                </a:solidFill>
+                <a:latin typeface="나눔스퀘어 ExtraBold" panose="020B0600000101010101" pitchFamily="50" charset="-127"/>
+                <a:ea typeface="나눔스퀘어 ExtraBold" panose="020B0600000101010101" pitchFamily="50" charset="-127"/>
+              </a:endParaRPr>
+            </a:p>
+          </p:txBody>
+        </p:sp>
+        <p:pic>
+          <p:nvPicPr>
+            <p:cNvPr id="45" name="그림 44">
+              <a:extLst>
+                <a:ext uri="{FF2B5EF4-FFF2-40B4-BE49-F238E27FC236}">
+                  <a16:creationId xmlns:a16="http://schemas.microsoft.com/office/drawing/2014/main" id="{DCD85618-4867-4788-8D1E-2FC49B755C06}"/>
+                </a:ext>
+              </a:extLst>
+            </p:cNvPr>
+            <p:cNvPicPr>
+              <a:picLocks noChangeAspect="1"/>
+            </p:cNvPicPr>
+            <p:nvPr/>
+          </p:nvPicPr>
+          <p:blipFill>
+            <a:blip r:embed="rId11">
+              <a:duotone>
+                <a:prstClr val="black"/>
+                <a:schemeClr val="tx2">
+                  <a:tint val="45000"/>
+                  <a:satMod val="400000"/>
+                </a:schemeClr>
+              </a:duotone>
+              <a:extLst>
+                <a:ext uri="{28A0092B-C50C-407E-A947-70E740481C1C}">
+                  <a14:useLocalDpi xmlns:a14="http://schemas.microsoft.com/office/drawing/2010/main" val="0"/>
+                </a:ext>
+              </a:extLst>
+            </a:blip>
+            <a:stretch>
+              <a:fillRect/>
+            </a:stretch>
+          </p:blipFill>
+          <p:spPr>
+            <a:xfrm>
+              <a:off x="1582922" y="1939846"/>
+              <a:ext cx="1980000" cy="1980000"/>
+            </a:xfrm>
+            <a:prstGeom prst="rect">
+              <a:avLst/>
+            </a:prstGeom>
+          </p:spPr>
+        </p:pic>
+      </p:grpSp>
+      <p:grpSp>
+        <p:nvGrpSpPr>
+          <p:cNvPr id="74" name="그룹 73">
+            <a:extLst>
+              <a:ext uri="{FF2B5EF4-FFF2-40B4-BE49-F238E27FC236}">
+                <a16:creationId xmlns:a16="http://schemas.microsoft.com/office/drawing/2014/main" id="{52552D6F-14E8-45A9-9787-98CAAD517A57}"/>
+              </a:ext>
+            </a:extLst>
+          </p:cNvPr>
+          <p:cNvGrpSpPr/>
+          <p:nvPr/>
+        </p:nvGrpSpPr>
+        <p:grpSpPr>
+          <a:xfrm>
+            <a:off x="8970398" y="1025769"/>
+            <a:ext cx="3683000" cy="4806462"/>
+            <a:chOff x="8589396" y="1025769"/>
+            <a:chExt cx="3683000" cy="4806462"/>
+          </a:xfrm>
+        </p:grpSpPr>
+        <p:sp>
+          <p:nvSpPr>
+            <p:cNvPr id="8" name="사각형: 둥근 모서리 7">
+              <a:extLst>
+                <a:ext uri="{FF2B5EF4-FFF2-40B4-BE49-F238E27FC236}">
+                  <a16:creationId xmlns:a16="http://schemas.microsoft.com/office/drawing/2014/main" id="{8D3F68F2-B9FD-4D06-98D1-6E4D70C9C09A}"/>
+                </a:ext>
+              </a:extLst>
+            </p:cNvPr>
+            <p:cNvSpPr/>
+            <p:nvPr/>
+          </p:nvSpPr>
+          <p:spPr>
+            <a:xfrm>
+              <a:off x="8589396" y="1025769"/>
+              <a:ext cx="3683000" cy="4806462"/>
+            </a:xfrm>
+            <a:prstGeom prst="roundRect">
+              <a:avLst>
+                <a:gd name="adj" fmla="val 6619"/>
+              </a:avLst>
+            </a:prstGeom>
+            <a:solidFill>
+              <a:schemeClr val="bg1"/>
+            </a:solidFill>
+            <a:ln w="76200">
+              <a:solidFill>
+                <a:srgbClr val="243066"/>
+              </a:solidFill>
+            </a:ln>
+          </p:spPr>
+          <p:style>
+            <a:lnRef idx="2">
+              <a:schemeClr val="accent1">
+                <a:shade val="50000"/>
+              </a:schemeClr>
+            </a:lnRef>
+            <a:fillRef idx="1">
+              <a:schemeClr val="accent1"/>
+            </a:fillRef>
+            <a:effectRef idx="0">
+              <a:schemeClr val="accent1"/>
+            </a:effectRef>
+            <a:fontRef idx="minor">
+              <a:schemeClr val="lt1"/>
+            </a:fontRef>
+          </p:style>
+          <p:txBody>
+            <a:bodyPr rtlCol="0" anchor="b"/>
+            <a:lstStyle/>
+            <a:p>
+              <a:pPr algn="ctr"/>
+              <a:r>
+                <a:rPr lang="ko-KR" altLang="en-US" sz="3200" dirty="0">
+                  <a:solidFill>
+                    <a:srgbClr val="243066"/>
+                  </a:solidFill>
+                  <a:latin typeface="나눔스퀘어 ExtraBold" panose="020B0600000101010101" pitchFamily="50" charset="-127"/>
+                  <a:ea typeface="나눔스퀘어 ExtraBold" panose="020B0600000101010101" pitchFamily="50" charset="-127"/>
+                </a:rPr>
+                <a:t>사업 연계 </a:t>
+              </a:r>
+              <a:endParaRPr lang="en-US" altLang="ko-KR" sz="3200" dirty="0">
+                <a:solidFill>
+                  <a:srgbClr val="243066"/>
+                </a:solidFill>
+                <a:latin typeface="나눔스퀘어 ExtraBold" panose="020B0600000101010101" pitchFamily="50" charset="-127"/>
+                <a:ea typeface="나눔스퀘어 ExtraBold" panose="020B0600000101010101" pitchFamily="50" charset="-127"/>
+              </a:endParaRPr>
+            </a:p>
+            <a:p>
+              <a:pPr algn="ctr"/>
+              <a:r>
+                <a:rPr lang="ko-KR" altLang="en-US" sz="3200" dirty="0">
+                  <a:solidFill>
+                    <a:srgbClr val="243066"/>
+                  </a:solidFill>
+                  <a:latin typeface="나눔스퀘어 ExtraBold" panose="020B0600000101010101" pitchFamily="50" charset="-127"/>
+                  <a:ea typeface="나눔스퀘어 ExtraBold" panose="020B0600000101010101" pitchFamily="50" charset="-127"/>
+                </a:rPr>
+                <a:t>레퍼런스 확보</a:t>
+              </a:r>
+              <a:endParaRPr lang="en-US" altLang="ko-KR" sz="3200" dirty="0">
+                <a:solidFill>
+                  <a:srgbClr val="243066"/>
+                </a:solidFill>
+                <a:latin typeface="나눔스퀘어 ExtraBold" panose="020B0600000101010101" pitchFamily="50" charset="-127"/>
+                <a:ea typeface="나눔스퀘어 ExtraBold" panose="020B0600000101010101" pitchFamily="50" charset="-127"/>
+              </a:endParaRPr>
+            </a:p>
+            <a:p>
+              <a:pPr algn="ctr"/>
+              <a:endParaRPr lang="ko-KR" altLang="en-US" sz="2000" dirty="0">
+                <a:solidFill>
+                  <a:srgbClr val="243066"/>
+                </a:solidFill>
+                <a:latin typeface="나눔스퀘어 ExtraBold" panose="020B0600000101010101" pitchFamily="50" charset="-127"/>
+                <a:ea typeface="나눔스퀘어 ExtraBold" panose="020B0600000101010101" pitchFamily="50" charset="-127"/>
+              </a:endParaRPr>
+            </a:p>
+          </p:txBody>
+        </p:sp>
+        <p:pic>
+          <p:nvPicPr>
+            <p:cNvPr id="52" name="그림 51">
+              <a:extLst>
+                <a:ext uri="{FF2B5EF4-FFF2-40B4-BE49-F238E27FC236}">
+                  <a16:creationId xmlns:a16="http://schemas.microsoft.com/office/drawing/2014/main" id="{89B8F01A-8D5F-42A2-823F-CF87C4C143C3}"/>
+                </a:ext>
+              </a:extLst>
+            </p:cNvPr>
+            <p:cNvPicPr>
+              <a:picLocks noChangeAspect="1"/>
+            </p:cNvPicPr>
+            <p:nvPr/>
+          </p:nvPicPr>
+          <p:blipFill>
+            <a:blip r:embed="rId12">
+              <a:duotone>
+                <a:prstClr val="black"/>
+                <a:schemeClr val="tx2">
+                  <a:tint val="45000"/>
+                  <a:satMod val="400000"/>
+                </a:schemeClr>
+              </a:duotone>
+              <a:extLst>
+                <a:ext uri="{28A0092B-C50C-407E-A947-70E740481C1C}">
+                  <a14:useLocalDpi xmlns:a14="http://schemas.microsoft.com/office/drawing/2010/main" val="0"/>
+                </a:ext>
+              </a:extLst>
+            </a:blip>
+            <a:stretch>
+              <a:fillRect/>
+            </a:stretch>
+          </p:blipFill>
+          <p:spPr>
+            <a:xfrm>
+              <a:off x="9593598" y="2041199"/>
+              <a:ext cx="1777294" cy="1777294"/>
+            </a:xfrm>
+            <a:prstGeom prst="rect">
+              <a:avLst/>
+            </a:prstGeom>
+          </p:spPr>
+        </p:pic>
+      </p:grpSp>
+    </p:spTree>
+    <p:extLst>
+      <p:ext uri="{BB962C8B-B14F-4D97-AF65-F5344CB8AC3E}">
+        <p14:creationId xmlns:p14="http://schemas.microsoft.com/office/powerpoint/2010/main" val="1825869271"/>
+      </p:ext>
+    </p:extLst>
+  </p:cSld>
+  <p:clrMapOvr>
+    <a:masterClrMapping/>
+  </p:clrMapOvr>
+</p:sld>
+</file>
+
+<file path=ppt/slides/slide5.xml><?xml version="1.0" encoding="utf-8"?>
+<p:sld xmlns:a="http://schemas.openxmlformats.org/drawingml/2006/main" xmlns:r="http://schemas.openxmlformats.org/officeDocument/2006/relationships" xmlns:p="http://schemas.openxmlformats.org/presentationml/2006/main">
+  <p:cSld>
+    <p:spTree>
+      <p:nvGrpSpPr>
+        <p:cNvPr id="1" name=""/>
+        <p:cNvGrpSpPr/>
+        <p:nvPr/>
+      </p:nvGrpSpPr>
+      <p:grpSpPr>
+        <a:xfrm>
+          <a:off x="0" y="0"/>
+          <a:ext cx="0" cy="0"/>
+          <a:chOff x="0" y="0"/>
+          <a:chExt cx="0" cy="0"/>
+        </a:xfrm>
+      </p:grpSpPr>
+      <p:pic>
+        <p:nvPicPr>
+          <p:cNvPr id="5" name="그림 4" descr="텍스트, 잔디, 하늘, 실외이(가) 표시된 사진&#10;&#10;자동 생성된 설명">
+            <a:extLst>
+              <a:ext uri="{FF2B5EF4-FFF2-40B4-BE49-F238E27FC236}">
+                <a16:creationId xmlns:a16="http://schemas.microsoft.com/office/drawing/2014/main" id="{61A1C5D1-0068-4005-BE95-B60274D608CB}"/>
+              </a:ext>
+            </a:extLst>
+          </p:cNvPr>
+          <p:cNvPicPr>
+            <a:picLocks noChangeAspect="1"/>
+          </p:cNvPicPr>
+          <p:nvPr/>
+        </p:nvPicPr>
+        <p:blipFill>
+          <a:blip r:embed="rId2">
+            <a:extLst>
+              <a:ext uri="{28A0092B-C50C-407E-A947-70E740481C1C}">
+                <a14:useLocalDpi xmlns:a14="http://schemas.microsoft.com/office/drawing/2010/main" val="0"/>
+              </a:ext>
+            </a:extLst>
+          </a:blip>
+          <a:stretch>
+            <a:fillRect/>
+          </a:stretch>
+        </p:blipFill>
+        <p:spPr>
+          <a:xfrm>
+            <a:off x="3642514" y="649809"/>
+            <a:ext cx="5230821" cy="4072481"/>
+          </a:xfrm>
+          <a:prstGeom prst="rect">
+            <a:avLst/>
+          </a:prstGeom>
+        </p:spPr>
+      </p:pic>
+      <p:sp>
+        <p:nvSpPr>
+          <p:cNvPr id="6" name="직사각형 5">
+            <a:extLst>
+              <a:ext uri="{FF2B5EF4-FFF2-40B4-BE49-F238E27FC236}">
+                <a16:creationId xmlns:a16="http://schemas.microsoft.com/office/drawing/2014/main" id="{DC3202FF-C696-4B9F-B215-D218050A58F5}"/>
               </a:ext>
             </a:extLst>
           </p:cNvPr>
@@ -5557,13 +7137,15 @@
         </p:nvSpPr>
         <p:spPr>
           <a:xfrm>
-            <a:off x="614363" y="1971675"/>
-            <a:ext cx="10963275" cy="2914651"/>
+            <a:off x="5029199" y="3924300"/>
+            <a:ext cx="2457450" cy="619125"/>
           </a:xfrm>
           <a:prstGeom prst="rect">
             <a:avLst/>
           </a:prstGeom>
-          <a:noFill/>
+          <a:solidFill>
+            <a:srgbClr val="FFFF00"/>
+          </a:solidFill>
           <a:ln>
             <a:noFill/>
           </a:ln>
@@ -5589,14 +7171,21 @@
           <a:lstStyle/>
           <a:p>
             <a:pPr algn="ctr"/>
-            <a:endParaRPr lang="ko-KR" altLang="en-US"/>
+            <a:r>
+              <a:rPr lang="ko-KR" altLang="en-US">
+                <a:solidFill>
+                  <a:srgbClr val="243066"/>
+                </a:solidFill>
+              </a:rPr>
+              <a:t>이미지 대체 예정</a:t>
+            </a:r>
           </a:p>
         </p:txBody>
       </p:sp>
     </p:spTree>
     <p:extLst>
       <p:ext uri="{BB962C8B-B14F-4D97-AF65-F5344CB8AC3E}">
-        <p14:creationId xmlns:p14="http://schemas.microsoft.com/office/powerpoint/2010/main" val="2144364459"/>
+        <p14:creationId xmlns:p14="http://schemas.microsoft.com/office/powerpoint/2010/main" val="2297634997"/>
       </p:ext>
     </p:extLst>
   </p:cSld>

--- a/images/수정이미지.pptx
+++ b/images/수정이미지.pptx
@@ -7,9 +7,10 @@
   <p:sldIdLst>
     <p:sldId id="256" r:id="rId2"/>
     <p:sldId id="257" r:id="rId3"/>
-    <p:sldId id="258" r:id="rId4"/>
-    <p:sldId id="259" r:id="rId5"/>
-    <p:sldId id="260" r:id="rId6"/>
+    <p:sldId id="261" r:id="rId4"/>
+    <p:sldId id="258" r:id="rId5"/>
+    <p:sldId id="259" r:id="rId6"/>
+    <p:sldId id="260" r:id="rId7"/>
   </p:sldIdLst>
   <p:sldSz cx="12192000" cy="6858000"/>
   <p:notesSz cx="6858000" cy="9144000"/>
@@ -263,7 +264,7 @@
           <a:p>
             <a:fld id="{00DE5D93-869D-4870-88F7-A00EF7354BDD}" type="datetimeFigureOut">
               <a:rPr lang="ko-KR" altLang="en-US" smtClean="0"/>
-              <a:t>2021-05-07</a:t>
+              <a:t>2021-05-14</a:t>
             </a:fld>
             <a:endParaRPr lang="ko-KR" altLang="en-US"/>
           </a:p>
@@ -461,7 +462,7 @@
           <a:p>
             <a:fld id="{00DE5D93-869D-4870-88F7-A00EF7354BDD}" type="datetimeFigureOut">
               <a:rPr lang="ko-KR" altLang="en-US" smtClean="0"/>
-              <a:t>2021-05-07</a:t>
+              <a:t>2021-05-14</a:t>
             </a:fld>
             <a:endParaRPr lang="ko-KR" altLang="en-US"/>
           </a:p>
@@ -669,7 +670,7 @@
           <a:p>
             <a:fld id="{00DE5D93-869D-4870-88F7-A00EF7354BDD}" type="datetimeFigureOut">
               <a:rPr lang="ko-KR" altLang="en-US" smtClean="0"/>
-              <a:t>2021-05-07</a:t>
+              <a:t>2021-05-14</a:t>
             </a:fld>
             <a:endParaRPr lang="ko-KR" altLang="en-US"/>
           </a:p>
@@ -867,7 +868,7 @@
           <a:p>
             <a:fld id="{00DE5D93-869D-4870-88F7-A00EF7354BDD}" type="datetimeFigureOut">
               <a:rPr lang="ko-KR" altLang="en-US" smtClean="0"/>
-              <a:t>2021-05-07</a:t>
+              <a:t>2021-05-14</a:t>
             </a:fld>
             <a:endParaRPr lang="ko-KR" altLang="en-US"/>
           </a:p>
@@ -1142,7 +1143,7 @@
           <a:p>
             <a:fld id="{00DE5D93-869D-4870-88F7-A00EF7354BDD}" type="datetimeFigureOut">
               <a:rPr lang="ko-KR" altLang="en-US" smtClean="0"/>
-              <a:t>2021-05-07</a:t>
+              <a:t>2021-05-14</a:t>
             </a:fld>
             <a:endParaRPr lang="ko-KR" altLang="en-US"/>
           </a:p>
@@ -1407,7 +1408,7 @@
           <a:p>
             <a:fld id="{00DE5D93-869D-4870-88F7-A00EF7354BDD}" type="datetimeFigureOut">
               <a:rPr lang="ko-KR" altLang="en-US" smtClean="0"/>
-              <a:t>2021-05-07</a:t>
+              <a:t>2021-05-14</a:t>
             </a:fld>
             <a:endParaRPr lang="ko-KR" altLang="en-US"/>
           </a:p>
@@ -1819,7 +1820,7 @@
           <a:p>
             <a:fld id="{00DE5D93-869D-4870-88F7-A00EF7354BDD}" type="datetimeFigureOut">
               <a:rPr lang="ko-KR" altLang="en-US" smtClean="0"/>
-              <a:t>2021-05-07</a:t>
+              <a:t>2021-05-14</a:t>
             </a:fld>
             <a:endParaRPr lang="ko-KR" altLang="en-US"/>
           </a:p>
@@ -1960,7 +1961,7 @@
           <a:p>
             <a:fld id="{00DE5D93-869D-4870-88F7-A00EF7354BDD}" type="datetimeFigureOut">
               <a:rPr lang="ko-KR" altLang="en-US" smtClean="0"/>
-              <a:t>2021-05-07</a:t>
+              <a:t>2021-05-14</a:t>
             </a:fld>
             <a:endParaRPr lang="ko-KR" altLang="en-US"/>
           </a:p>
@@ -2073,7 +2074,7 @@
           <a:p>
             <a:fld id="{00DE5D93-869D-4870-88F7-A00EF7354BDD}" type="datetimeFigureOut">
               <a:rPr lang="ko-KR" altLang="en-US" smtClean="0"/>
-              <a:t>2021-05-07</a:t>
+              <a:t>2021-05-14</a:t>
             </a:fld>
             <a:endParaRPr lang="ko-KR" altLang="en-US"/>
           </a:p>
@@ -2384,7 +2385,7 @@
           <a:p>
             <a:fld id="{00DE5D93-869D-4870-88F7-A00EF7354BDD}" type="datetimeFigureOut">
               <a:rPr lang="ko-KR" altLang="en-US" smtClean="0"/>
-              <a:t>2021-05-07</a:t>
+              <a:t>2021-05-14</a:t>
             </a:fld>
             <a:endParaRPr lang="ko-KR" altLang="en-US"/>
           </a:p>
@@ -2672,7 +2673,7 @@
           <a:p>
             <a:fld id="{00DE5D93-869D-4870-88F7-A00EF7354BDD}" type="datetimeFigureOut">
               <a:rPr lang="ko-KR" altLang="en-US" smtClean="0"/>
-              <a:t>2021-05-07</a:t>
+              <a:t>2021-05-14</a:t>
             </a:fld>
             <a:endParaRPr lang="ko-KR" altLang="en-US"/>
           </a:p>
@@ -2913,7 +2914,7 @@
           <a:p>
             <a:fld id="{00DE5D93-869D-4870-88F7-A00EF7354BDD}" type="datetimeFigureOut">
               <a:rPr lang="ko-KR" altLang="en-US" smtClean="0"/>
-              <a:t>2021-05-07</a:t>
+              <a:t>2021-05-14</a:t>
             </a:fld>
             <a:endParaRPr lang="ko-KR" altLang="en-US"/>
           </a:p>
@@ -4358,6 +4359,774 @@
 </file>
 
 <file path=ppt/slides/slide3.xml><?xml version="1.0" encoding="utf-8"?>
+<p:sld xmlns:a="http://schemas.openxmlformats.org/drawingml/2006/main" xmlns:r="http://schemas.openxmlformats.org/officeDocument/2006/relationships" xmlns:p="http://schemas.openxmlformats.org/presentationml/2006/main">
+  <p:cSld>
+    <p:spTree>
+      <p:nvGrpSpPr>
+        <p:cNvPr id="1" name=""/>
+        <p:cNvGrpSpPr/>
+        <p:nvPr/>
+      </p:nvGrpSpPr>
+      <p:grpSpPr>
+        <a:xfrm>
+          <a:off x="0" y="0"/>
+          <a:ext cx="0" cy="0"/>
+          <a:chOff x="0" y="0"/>
+          <a:chExt cx="0" cy="0"/>
+        </a:xfrm>
+      </p:grpSpPr>
+      <p:sp>
+        <p:nvSpPr>
+          <p:cNvPr id="18" name="직사각형 17">
+            <a:extLst>
+              <a:ext uri="{FF2B5EF4-FFF2-40B4-BE49-F238E27FC236}">
+                <a16:creationId xmlns:a16="http://schemas.microsoft.com/office/drawing/2014/main" id="{21A49857-31F0-48B9-B996-0DD0F5B5B8C8}"/>
+              </a:ext>
+            </a:extLst>
+          </p:cNvPr>
+          <p:cNvSpPr/>
+          <p:nvPr/>
+        </p:nvSpPr>
+        <p:spPr>
+          <a:xfrm>
+            <a:off x="-5907314" y="-580570"/>
+            <a:ext cx="21060228" cy="5181600"/>
+          </a:xfrm>
+          <a:prstGeom prst="rect">
+            <a:avLst/>
+          </a:prstGeom>
+          <a:noFill/>
+          <a:ln>
+            <a:noFill/>
+          </a:ln>
+        </p:spPr>
+        <p:style>
+          <a:lnRef idx="2">
+            <a:schemeClr val="accent1">
+              <a:shade val="50000"/>
+            </a:schemeClr>
+          </a:lnRef>
+          <a:fillRef idx="1">
+            <a:schemeClr val="accent1"/>
+          </a:fillRef>
+          <a:effectRef idx="0">
+            <a:schemeClr val="accent1"/>
+          </a:effectRef>
+          <a:fontRef idx="minor">
+            <a:schemeClr val="lt1"/>
+          </a:fontRef>
+        </p:style>
+        <p:txBody>
+          <a:bodyPr rtlCol="0" anchor="ctr"/>
+          <a:lstStyle/>
+          <a:p>
+            <a:pPr algn="ctr"/>
+            <a:endParaRPr lang="ko-KR" altLang="en-US"/>
+          </a:p>
+        </p:txBody>
+      </p:sp>
+      <p:grpSp>
+        <p:nvGrpSpPr>
+          <p:cNvPr id="30" name="그룹 29">
+            <a:extLst>
+              <a:ext uri="{FF2B5EF4-FFF2-40B4-BE49-F238E27FC236}">
+                <a16:creationId xmlns:a16="http://schemas.microsoft.com/office/drawing/2014/main" id="{F389FC6C-5861-4EB0-BC48-C9006D4C6264}"/>
+              </a:ext>
+            </a:extLst>
+          </p:cNvPr>
+          <p:cNvGrpSpPr/>
+          <p:nvPr/>
+        </p:nvGrpSpPr>
+        <p:grpSpPr>
+          <a:xfrm>
+            <a:off x="-4552261" y="435430"/>
+            <a:ext cx="18350122" cy="3149600"/>
+            <a:chOff x="-4523233" y="1074057"/>
+            <a:chExt cx="18350122" cy="3149600"/>
+          </a:xfrm>
+        </p:grpSpPr>
+        <p:sp>
+          <p:nvSpPr>
+            <p:cNvPr id="2" name="육각형 1">
+              <a:extLst>
+                <a:ext uri="{FF2B5EF4-FFF2-40B4-BE49-F238E27FC236}">
+                  <a16:creationId xmlns:a16="http://schemas.microsoft.com/office/drawing/2014/main" id="{0A19D123-E3D1-49D1-86BD-6CF160029503}"/>
+                </a:ext>
+              </a:extLst>
+            </p:cNvPr>
+            <p:cNvSpPr/>
+            <p:nvPr/>
+          </p:nvSpPr>
+          <p:spPr>
+            <a:xfrm>
+              <a:off x="-849086" y="1074057"/>
+              <a:ext cx="3653536" cy="3149600"/>
+            </a:xfrm>
+            <a:prstGeom prst="hexagon">
+              <a:avLst/>
+            </a:prstGeom>
+            <a:solidFill>
+              <a:srgbClr val="3B4D9C"/>
+            </a:solidFill>
+            <a:ln>
+              <a:noFill/>
+            </a:ln>
+            <a:effectLst>
+              <a:outerShdw blurRad="50800" dist="38100" dir="2700000" algn="tl" rotWithShape="0">
+                <a:prstClr val="black">
+                  <a:alpha val="40000"/>
+                </a:prstClr>
+              </a:outerShdw>
+            </a:effectLst>
+          </p:spPr>
+          <p:style>
+            <a:lnRef idx="2">
+              <a:schemeClr val="accent1">
+                <a:shade val="50000"/>
+              </a:schemeClr>
+            </a:lnRef>
+            <a:fillRef idx="1">
+              <a:schemeClr val="accent1"/>
+            </a:fillRef>
+            <a:effectRef idx="0">
+              <a:schemeClr val="accent1"/>
+            </a:effectRef>
+            <a:fontRef idx="minor">
+              <a:schemeClr val="lt1"/>
+            </a:fontRef>
+          </p:style>
+          <p:txBody>
+            <a:bodyPr lIns="0" tIns="0" rIns="0" bIns="0" rtlCol="0" anchor="ctr"/>
+            <a:lstStyle/>
+            <a:p>
+              <a:pPr algn="ctr"/>
+              <a:r>
+                <a:rPr lang="en-US" altLang="ko-KR" sz="2500" dirty="0">
+                  <a:latin typeface="나눔스퀘어 ExtraBold" panose="020B0600000101010101" pitchFamily="50" charset="-127"/>
+                  <a:ea typeface="나눔스퀘어 ExtraBold" panose="020B0600000101010101" pitchFamily="50" charset="-127"/>
+                </a:rPr>
+                <a:t>Future </a:t>
+              </a:r>
+            </a:p>
+            <a:p>
+              <a:pPr algn="ctr"/>
+              <a:r>
+                <a:rPr lang="en-US" altLang="ko-KR" sz="2500" dirty="0">
+                  <a:latin typeface="나눔스퀘어 ExtraBold" panose="020B0600000101010101" pitchFamily="50" charset="-127"/>
+                  <a:ea typeface="나눔스퀘어 ExtraBold" panose="020B0600000101010101" pitchFamily="50" charset="-127"/>
+                </a:rPr>
+                <a:t>Talent Program</a:t>
+              </a:r>
+            </a:p>
+            <a:p>
+              <a:pPr algn="ctr"/>
+              <a:endParaRPr lang="en-US" altLang="ko-KR" sz="2500" dirty="0">
+                <a:latin typeface="나눔스퀘어 ExtraBold" panose="020B0600000101010101" pitchFamily="50" charset="-127"/>
+                <a:ea typeface="나눔스퀘어 ExtraBold" panose="020B0600000101010101" pitchFamily="50" charset="-127"/>
+              </a:endParaRPr>
+            </a:p>
+            <a:p>
+              <a:pPr algn="ctr"/>
+              <a:r>
+                <a:rPr lang="ko-KR" altLang="en-US" sz="2500" dirty="0">
+                  <a:latin typeface="나눔스퀘어 ExtraBold" panose="020B0600000101010101" pitchFamily="50" charset="-127"/>
+                  <a:ea typeface="나눔스퀘어 ExtraBold" panose="020B0600000101010101" pitchFamily="50" charset="-127"/>
+                </a:rPr>
+                <a:t>내일의 인재육성</a:t>
+              </a:r>
+            </a:p>
+          </p:txBody>
+        </p:sp>
+        <p:sp>
+          <p:nvSpPr>
+            <p:cNvPr id="19" name="육각형 18">
+              <a:extLst>
+                <a:ext uri="{FF2B5EF4-FFF2-40B4-BE49-F238E27FC236}">
+                  <a16:creationId xmlns:a16="http://schemas.microsoft.com/office/drawing/2014/main" id="{09DF28A8-E042-497C-8351-3A43C9041243}"/>
+                </a:ext>
+              </a:extLst>
+            </p:cNvPr>
+            <p:cNvSpPr/>
+            <p:nvPr/>
+          </p:nvSpPr>
+          <p:spPr>
+            <a:xfrm>
+              <a:off x="2825060" y="1074057"/>
+              <a:ext cx="3653536" cy="3149600"/>
+            </a:xfrm>
+            <a:prstGeom prst="hexagon">
+              <a:avLst/>
+            </a:prstGeom>
+            <a:solidFill>
+              <a:srgbClr val="19BAED"/>
+            </a:solidFill>
+            <a:ln>
+              <a:noFill/>
+            </a:ln>
+            <a:effectLst>
+              <a:outerShdw blurRad="50800" dist="38100" dir="2700000" algn="tl" rotWithShape="0">
+                <a:prstClr val="black">
+                  <a:alpha val="40000"/>
+                </a:prstClr>
+              </a:outerShdw>
+            </a:effectLst>
+          </p:spPr>
+          <p:style>
+            <a:lnRef idx="2">
+              <a:schemeClr val="accent1">
+                <a:shade val="50000"/>
+              </a:schemeClr>
+            </a:lnRef>
+            <a:fillRef idx="1">
+              <a:schemeClr val="accent1"/>
+            </a:fillRef>
+            <a:effectRef idx="0">
+              <a:schemeClr val="accent1"/>
+            </a:effectRef>
+            <a:fontRef idx="minor">
+              <a:schemeClr val="lt1"/>
+            </a:fontRef>
+          </p:style>
+          <p:txBody>
+            <a:bodyPr lIns="0" tIns="0" rIns="0" bIns="0" rtlCol="0" anchor="ctr"/>
+            <a:lstStyle/>
+            <a:p>
+              <a:pPr algn="ctr"/>
+              <a:r>
+                <a:rPr lang="en-US" altLang="ko-KR" sz="2500" dirty="0">
+                  <a:latin typeface="나눔스퀘어 ExtraBold" panose="020B0600000101010101" pitchFamily="50" charset="-127"/>
+                  <a:ea typeface="나눔스퀘어 ExtraBold" panose="020B0600000101010101" pitchFamily="50" charset="-127"/>
+                </a:rPr>
+                <a:t>Talent in Science</a:t>
+              </a:r>
+            </a:p>
+            <a:p>
+              <a:pPr algn="ctr"/>
+              <a:endParaRPr lang="en-US" altLang="ko-KR" sz="2500" dirty="0">
+                <a:latin typeface="나눔스퀘어 ExtraBold" panose="020B0600000101010101" pitchFamily="50" charset="-127"/>
+                <a:ea typeface="나눔스퀘어 ExtraBold" panose="020B0600000101010101" pitchFamily="50" charset="-127"/>
+              </a:endParaRPr>
+            </a:p>
+            <a:p>
+              <a:pPr algn="ctr"/>
+              <a:r>
+                <a:rPr lang="ko-KR" altLang="ko-KR" sz="2500" dirty="0">
+                  <a:latin typeface="나눔스퀘어 ExtraBold" panose="020B0600000101010101" pitchFamily="50" charset="-127"/>
+                  <a:ea typeface="나눔스퀘어 ExtraBold" panose="020B0600000101010101" pitchFamily="50" charset="-127"/>
+                </a:rPr>
+                <a:t>과학인재 육성</a:t>
+              </a:r>
+            </a:p>
+          </p:txBody>
+        </p:sp>
+        <p:sp>
+          <p:nvSpPr>
+            <p:cNvPr id="21" name="육각형 20">
+              <a:extLst>
+                <a:ext uri="{FF2B5EF4-FFF2-40B4-BE49-F238E27FC236}">
+                  <a16:creationId xmlns:a16="http://schemas.microsoft.com/office/drawing/2014/main" id="{BCF32246-CA08-4A24-97BE-A390631293BD}"/>
+                </a:ext>
+              </a:extLst>
+            </p:cNvPr>
+            <p:cNvSpPr/>
+            <p:nvPr/>
+          </p:nvSpPr>
+          <p:spPr>
+            <a:xfrm>
+              <a:off x="6499206" y="1074057"/>
+              <a:ext cx="3653536" cy="3149600"/>
+            </a:xfrm>
+            <a:prstGeom prst="hexagon">
+              <a:avLst/>
+            </a:prstGeom>
+            <a:solidFill>
+              <a:srgbClr val="F29120"/>
+            </a:solidFill>
+            <a:ln>
+              <a:noFill/>
+            </a:ln>
+            <a:effectLst>
+              <a:outerShdw blurRad="50800" dist="38100" dir="2700000" algn="tl" rotWithShape="0">
+                <a:prstClr val="black">
+                  <a:alpha val="40000"/>
+                </a:prstClr>
+              </a:outerShdw>
+            </a:effectLst>
+          </p:spPr>
+          <p:style>
+            <a:lnRef idx="2">
+              <a:schemeClr val="accent1">
+                <a:shade val="50000"/>
+              </a:schemeClr>
+            </a:lnRef>
+            <a:fillRef idx="1">
+              <a:schemeClr val="accent1"/>
+            </a:fillRef>
+            <a:effectRef idx="0">
+              <a:schemeClr val="accent1"/>
+            </a:effectRef>
+            <a:fontRef idx="minor">
+              <a:schemeClr val="lt1"/>
+            </a:fontRef>
+          </p:style>
+          <p:txBody>
+            <a:bodyPr lIns="0" tIns="0" rIns="0" bIns="0" rtlCol="0" anchor="ctr"/>
+            <a:lstStyle/>
+            <a:p>
+              <a:pPr algn="ctr"/>
+              <a:r>
+                <a:rPr lang="en-US" altLang="ko-KR" sz="2500" dirty="0">
+                  <a:latin typeface="나눔스퀘어 ExtraBold" panose="020B0600000101010101" pitchFamily="50" charset="-127"/>
+                  <a:ea typeface="나눔스퀘어 ExtraBold" panose="020B0600000101010101" pitchFamily="50" charset="-127"/>
+                </a:rPr>
+                <a:t>Local Talent</a:t>
+              </a:r>
+            </a:p>
+            <a:p>
+              <a:pPr algn="ctr"/>
+              <a:endParaRPr lang="en-US" altLang="ko-KR" sz="2500" dirty="0">
+                <a:latin typeface="나눔스퀘어 ExtraBold" panose="020B0600000101010101" pitchFamily="50" charset="-127"/>
+                <a:ea typeface="나눔스퀘어 ExtraBold" panose="020B0600000101010101" pitchFamily="50" charset="-127"/>
+              </a:endParaRPr>
+            </a:p>
+            <a:p>
+              <a:pPr algn="ctr"/>
+              <a:r>
+                <a:rPr lang="ko-KR" altLang="en-US" sz="2500" dirty="0">
+                  <a:latin typeface="나눔스퀘어 ExtraBold" panose="020B0600000101010101" pitchFamily="50" charset="-127"/>
+                  <a:ea typeface="나눔스퀘어 ExtraBold" panose="020B0600000101010101" pitchFamily="50" charset="-127"/>
+                </a:rPr>
+                <a:t>지</a:t>
+              </a:r>
+              <a:r>
+                <a:rPr lang="ko-KR" altLang="ko-KR" sz="2500" dirty="0">
+                  <a:latin typeface="나눔스퀘어 ExtraBold" panose="020B0600000101010101" pitchFamily="50" charset="-127"/>
+                  <a:ea typeface="나눔스퀘어 ExtraBold" panose="020B0600000101010101" pitchFamily="50" charset="-127"/>
+                </a:rPr>
+                <a:t>역사회 인재 발굴</a:t>
+              </a:r>
+            </a:p>
+          </p:txBody>
+        </p:sp>
+        <p:sp>
+          <p:nvSpPr>
+            <p:cNvPr id="23" name="육각형 22">
+              <a:extLst>
+                <a:ext uri="{FF2B5EF4-FFF2-40B4-BE49-F238E27FC236}">
+                  <a16:creationId xmlns:a16="http://schemas.microsoft.com/office/drawing/2014/main" id="{682504CC-853C-4BB6-8B24-3ADB1AF7CABC}"/>
+                </a:ext>
+              </a:extLst>
+            </p:cNvPr>
+            <p:cNvSpPr/>
+            <p:nvPr/>
+          </p:nvSpPr>
+          <p:spPr>
+            <a:xfrm>
+              <a:off x="10173353" y="1074057"/>
+              <a:ext cx="3653536" cy="3149600"/>
+            </a:xfrm>
+            <a:prstGeom prst="hexagon">
+              <a:avLst/>
+            </a:prstGeom>
+            <a:solidFill>
+              <a:srgbClr val="50AE48"/>
+            </a:solidFill>
+            <a:ln>
+              <a:noFill/>
+            </a:ln>
+            <a:effectLst>
+              <a:outerShdw blurRad="50800" dist="38100" dir="2700000" algn="tl" rotWithShape="0">
+                <a:prstClr val="black">
+                  <a:alpha val="40000"/>
+                </a:prstClr>
+              </a:outerShdw>
+            </a:effectLst>
+          </p:spPr>
+          <p:style>
+            <a:lnRef idx="2">
+              <a:schemeClr val="accent1">
+                <a:shade val="50000"/>
+              </a:schemeClr>
+            </a:lnRef>
+            <a:fillRef idx="1">
+              <a:schemeClr val="accent1"/>
+            </a:fillRef>
+            <a:effectRef idx="0">
+              <a:schemeClr val="accent1"/>
+            </a:effectRef>
+            <a:fontRef idx="minor">
+              <a:schemeClr val="lt1"/>
+            </a:fontRef>
+          </p:style>
+          <p:txBody>
+            <a:bodyPr lIns="0" tIns="0" rIns="0" bIns="0" rtlCol="0" anchor="ctr"/>
+            <a:lstStyle/>
+            <a:p>
+              <a:pPr algn="ctr"/>
+              <a:r>
+                <a:rPr lang="en-US" altLang="ko-KR" sz="2500" dirty="0">
+                  <a:latin typeface="나눔스퀘어 ExtraBold" panose="020B0600000101010101" pitchFamily="50" charset="-127"/>
+                  <a:ea typeface="나눔스퀘어 ExtraBold" panose="020B0600000101010101" pitchFamily="50" charset="-127"/>
+                </a:rPr>
+                <a:t>Better </a:t>
+              </a:r>
+              <a:r>
+                <a:rPr lang="en-US" altLang="ko-KR" sz="2500" dirty="0" err="1">
+                  <a:latin typeface="나눔스퀘어 ExtraBold" panose="020B0600000101010101" pitchFamily="50" charset="-127"/>
+                  <a:ea typeface="나눔스퀘어 ExtraBold" panose="020B0600000101010101" pitchFamily="50" charset="-127"/>
+                </a:rPr>
+                <a:t>Sacheon</a:t>
+              </a:r>
+              <a:r>
+                <a:rPr lang="en-US" altLang="ko-KR" sz="2500" dirty="0">
+                  <a:latin typeface="나눔스퀘어 ExtraBold" panose="020B0600000101010101" pitchFamily="50" charset="-127"/>
+                  <a:ea typeface="나눔스퀘어 ExtraBold" panose="020B0600000101010101" pitchFamily="50" charset="-127"/>
+                </a:rPr>
+                <a:t> Campaign</a:t>
+              </a:r>
+            </a:p>
+            <a:p>
+              <a:pPr algn="ctr"/>
+              <a:endParaRPr lang="en-US" altLang="ko-KR" sz="1500" dirty="0">
+                <a:latin typeface="나눔스퀘어 ExtraBold" panose="020B0600000101010101" pitchFamily="50" charset="-127"/>
+                <a:ea typeface="나눔스퀘어 ExtraBold" panose="020B0600000101010101" pitchFamily="50" charset="-127"/>
+              </a:endParaRPr>
+            </a:p>
+            <a:p>
+              <a:pPr algn="ctr"/>
+              <a:r>
+                <a:rPr lang="ko-KR" altLang="ko-KR" sz="2500" dirty="0">
+                  <a:latin typeface="나눔스퀘어 ExtraBold" panose="020B0600000101010101" pitchFamily="50" charset="-127"/>
+                  <a:ea typeface="나눔스퀘어 ExtraBold" panose="020B0600000101010101" pitchFamily="50" charset="-127"/>
+                </a:rPr>
+                <a:t>살기</a:t>
+              </a:r>
+              <a:r>
+                <a:rPr lang="en-US" altLang="ko-KR" sz="2500" dirty="0">
+                  <a:latin typeface="나눔스퀘어 ExtraBold" panose="020B0600000101010101" pitchFamily="50" charset="-127"/>
+                  <a:ea typeface="나눔스퀘어 ExtraBold" panose="020B0600000101010101" pitchFamily="50" charset="-127"/>
+                </a:rPr>
+                <a:t> </a:t>
+              </a:r>
+              <a:r>
+                <a:rPr lang="ko-KR" altLang="ko-KR" sz="2500" dirty="0">
+                  <a:latin typeface="나눔스퀘어 ExtraBold" panose="020B0600000101010101" pitchFamily="50" charset="-127"/>
+                  <a:ea typeface="나눔스퀘어 ExtraBold" panose="020B0600000101010101" pitchFamily="50" charset="-127"/>
+                </a:rPr>
+                <a:t>좋은 </a:t>
+              </a:r>
+              <a:endParaRPr lang="en-US" altLang="ko-KR" sz="2500" dirty="0">
+                <a:latin typeface="나눔스퀘어 ExtraBold" panose="020B0600000101010101" pitchFamily="50" charset="-127"/>
+                <a:ea typeface="나눔스퀘어 ExtraBold" panose="020B0600000101010101" pitchFamily="50" charset="-127"/>
+              </a:endParaRPr>
+            </a:p>
+            <a:p>
+              <a:pPr algn="ctr"/>
+              <a:r>
+                <a:rPr lang="ko-KR" altLang="ko-KR" sz="2500" dirty="0" err="1">
+                  <a:latin typeface="나눔스퀘어 ExtraBold" panose="020B0600000101010101" pitchFamily="50" charset="-127"/>
+                  <a:ea typeface="나눔스퀘어 ExtraBold" panose="020B0600000101010101" pitchFamily="50" charset="-127"/>
+                </a:rPr>
+                <a:t>사천만들기</a:t>
+              </a:r>
+              <a:r>
+                <a:rPr lang="ko-KR" altLang="ko-KR" sz="2500" dirty="0">
+                  <a:latin typeface="나눔스퀘어 ExtraBold" panose="020B0600000101010101" pitchFamily="50" charset="-127"/>
+                  <a:ea typeface="나눔스퀘어 ExtraBold" panose="020B0600000101010101" pitchFamily="50" charset="-127"/>
+                </a:rPr>
+                <a:t> 캠페인</a:t>
+              </a:r>
+            </a:p>
+          </p:txBody>
+        </p:sp>
+        <p:sp>
+          <p:nvSpPr>
+            <p:cNvPr id="28" name="육각형 27">
+              <a:extLst>
+                <a:ext uri="{FF2B5EF4-FFF2-40B4-BE49-F238E27FC236}">
+                  <a16:creationId xmlns:a16="http://schemas.microsoft.com/office/drawing/2014/main" id="{627D46EF-CD60-457A-9658-725DB2552F64}"/>
+                </a:ext>
+              </a:extLst>
+            </p:cNvPr>
+            <p:cNvSpPr/>
+            <p:nvPr/>
+          </p:nvSpPr>
+          <p:spPr>
+            <a:xfrm>
+              <a:off x="-4523233" y="1074057"/>
+              <a:ext cx="3653536" cy="3149600"/>
+            </a:xfrm>
+            <a:prstGeom prst="hexagon">
+              <a:avLst/>
+            </a:prstGeom>
+            <a:solidFill>
+              <a:srgbClr val="E52581"/>
+            </a:solidFill>
+            <a:ln>
+              <a:noFill/>
+            </a:ln>
+            <a:effectLst>
+              <a:outerShdw blurRad="50800" dist="38100" dir="2700000" algn="tl" rotWithShape="0">
+                <a:prstClr val="black">
+                  <a:alpha val="40000"/>
+                </a:prstClr>
+              </a:outerShdw>
+            </a:effectLst>
+          </p:spPr>
+          <p:style>
+            <a:lnRef idx="2">
+              <a:schemeClr val="accent1">
+                <a:shade val="50000"/>
+              </a:schemeClr>
+            </a:lnRef>
+            <a:fillRef idx="1">
+              <a:schemeClr val="accent1"/>
+            </a:fillRef>
+            <a:effectRef idx="0">
+              <a:schemeClr val="accent1"/>
+            </a:effectRef>
+            <a:fontRef idx="minor">
+              <a:schemeClr val="lt1"/>
+            </a:fontRef>
+          </p:style>
+          <p:txBody>
+            <a:bodyPr lIns="0" tIns="0" rIns="0" bIns="0" rtlCol="0" anchor="ctr"/>
+            <a:lstStyle/>
+            <a:p>
+              <a:pPr algn="ctr"/>
+              <a:r>
+                <a:rPr lang="en-US" altLang="ko-KR" sz="4000" dirty="0">
+                  <a:latin typeface="나눔스퀘어 ExtraBold" panose="020B0600000101010101" pitchFamily="50" charset="-127"/>
+                  <a:ea typeface="나눔스퀘어 ExtraBold" panose="020B0600000101010101" pitchFamily="50" charset="-127"/>
+                </a:rPr>
+                <a:t>BAT</a:t>
+              </a:r>
+            </a:p>
+            <a:p>
+              <a:pPr algn="ctr"/>
+              <a:r>
+                <a:rPr lang="en-US" altLang="ko-KR" sz="2800" dirty="0">
+                  <a:latin typeface="나눔스퀘어 ExtraBold" panose="020B0600000101010101" pitchFamily="50" charset="-127"/>
+                  <a:ea typeface="나눔스퀘어 ExtraBold" panose="020B0600000101010101" pitchFamily="50" charset="-127"/>
+                </a:rPr>
+                <a:t>ESG</a:t>
+              </a:r>
+              <a:r>
+                <a:rPr lang="ko-KR" altLang="en-US" sz="2800" dirty="0">
+                  <a:latin typeface="나눔스퀘어 ExtraBold" panose="020B0600000101010101" pitchFamily="50" charset="-127"/>
+                  <a:ea typeface="나눔스퀘어 ExtraBold" panose="020B0600000101010101" pitchFamily="50" charset="-127"/>
+                </a:rPr>
+                <a:t> </a:t>
+              </a:r>
+              <a:r>
+                <a:rPr lang="en-US" altLang="ko-KR" sz="2800" dirty="0">
+                  <a:latin typeface="나눔스퀘어 ExtraBold" panose="020B0600000101010101" pitchFamily="50" charset="-127"/>
+                  <a:ea typeface="나눔스퀘어 ExtraBold" panose="020B0600000101010101" pitchFamily="50" charset="-127"/>
+                </a:rPr>
+                <a:t>Program</a:t>
+              </a:r>
+              <a:endParaRPr lang="ko-KR" altLang="en-US" sz="2800" dirty="0">
+                <a:latin typeface="나눔스퀘어 Bold" panose="020B0600000101010101" pitchFamily="50" charset="-127"/>
+                <a:ea typeface="나눔스퀘어 Bold" panose="020B0600000101010101" pitchFamily="50" charset="-127"/>
+              </a:endParaRPr>
+            </a:p>
+          </p:txBody>
+        </p:sp>
+      </p:grpSp>
+      <p:pic>
+        <p:nvPicPr>
+          <p:cNvPr id="4" name="그림 3">
+            <a:extLst>
+              <a:ext uri="{FF2B5EF4-FFF2-40B4-BE49-F238E27FC236}">
+                <a16:creationId xmlns:a16="http://schemas.microsoft.com/office/drawing/2014/main" id="{D8D6700B-0A51-4B7A-BC88-D68C1DFB15E2}"/>
+              </a:ext>
+            </a:extLst>
+          </p:cNvPr>
+          <p:cNvPicPr>
+            <a:picLocks noChangeAspect="1"/>
+          </p:cNvPicPr>
+          <p:nvPr/>
+        </p:nvPicPr>
+        <p:blipFill>
+          <a:blip r:embed="rId2">
+            <a:extLst>
+              <a:ext uri="{28A0092B-C50C-407E-A947-70E740481C1C}">
+                <a14:useLocalDpi xmlns:a14="http://schemas.microsoft.com/office/drawing/2010/main" val="0"/>
+              </a:ext>
+            </a:extLst>
+          </a:blip>
+          <a:stretch>
+            <a:fillRect/>
+          </a:stretch>
+        </p:blipFill>
+        <p:spPr>
+          <a:xfrm>
+            <a:off x="10907767" y="-4265751"/>
+            <a:ext cx="3621031" cy="3139446"/>
+          </a:xfrm>
+          <a:prstGeom prst="rect">
+            <a:avLst/>
+          </a:prstGeom>
+        </p:spPr>
+      </p:pic>
+      <p:pic>
+        <p:nvPicPr>
+          <p:cNvPr id="8" name="그림 7" descr="텍스트, 시계, 표지판이(가) 표시된 사진&#10;&#10;자동 생성된 설명">
+            <a:extLst>
+              <a:ext uri="{FF2B5EF4-FFF2-40B4-BE49-F238E27FC236}">
+                <a16:creationId xmlns:a16="http://schemas.microsoft.com/office/drawing/2014/main" id="{DCE5E27C-BA40-442C-96D7-545EFD542CD0}"/>
+              </a:ext>
+            </a:extLst>
+          </p:cNvPr>
+          <p:cNvPicPr>
+            <a:picLocks noChangeAspect="1"/>
+          </p:cNvPicPr>
+          <p:nvPr/>
+        </p:nvPicPr>
+        <p:blipFill>
+          <a:blip r:embed="rId3">
+            <a:extLst>
+              <a:ext uri="{28A0092B-C50C-407E-A947-70E740481C1C}">
+                <a14:useLocalDpi xmlns:a14="http://schemas.microsoft.com/office/drawing/2010/main" val="0"/>
+              </a:ext>
+            </a:extLst>
+          </a:blip>
+          <a:stretch>
+            <a:fillRect/>
+          </a:stretch>
+        </p:blipFill>
+        <p:spPr>
+          <a:xfrm>
+            <a:off x="-4318281" y="-4265751"/>
+            <a:ext cx="3621031" cy="3139446"/>
+          </a:xfrm>
+          <a:prstGeom prst="rect">
+            <a:avLst/>
+          </a:prstGeom>
+        </p:spPr>
+      </p:pic>
+      <p:pic>
+        <p:nvPicPr>
+          <p:cNvPr id="11" name="그림 10">
+            <a:extLst>
+              <a:ext uri="{FF2B5EF4-FFF2-40B4-BE49-F238E27FC236}">
+                <a16:creationId xmlns:a16="http://schemas.microsoft.com/office/drawing/2014/main" id="{6EAE10D9-7423-432B-8F85-3316BD403B24}"/>
+              </a:ext>
+            </a:extLst>
+          </p:cNvPr>
+          <p:cNvPicPr>
+            <a:picLocks noChangeAspect="1"/>
+          </p:cNvPicPr>
+          <p:nvPr/>
+        </p:nvPicPr>
+        <p:blipFill>
+          <a:blip r:embed="rId4">
+            <a:extLst>
+              <a:ext uri="{28A0092B-C50C-407E-A947-70E740481C1C}">
+                <a14:useLocalDpi xmlns:a14="http://schemas.microsoft.com/office/drawing/2010/main" val="0"/>
+              </a:ext>
+            </a:extLst>
+          </a:blip>
+          <a:stretch>
+            <a:fillRect/>
+          </a:stretch>
+        </p:blipFill>
+        <p:spPr>
+          <a:xfrm>
+            <a:off x="-511769" y="-4265751"/>
+            <a:ext cx="3621031" cy="3139446"/>
+          </a:xfrm>
+          <a:prstGeom prst="rect">
+            <a:avLst/>
+          </a:prstGeom>
+        </p:spPr>
+      </p:pic>
+      <p:pic>
+        <p:nvPicPr>
+          <p:cNvPr id="14" name="그림 13">
+            <a:extLst>
+              <a:ext uri="{FF2B5EF4-FFF2-40B4-BE49-F238E27FC236}">
+                <a16:creationId xmlns:a16="http://schemas.microsoft.com/office/drawing/2014/main" id="{B1339920-2A98-4139-B4E6-8EC9FDE8F07A}"/>
+              </a:ext>
+            </a:extLst>
+          </p:cNvPr>
+          <p:cNvPicPr>
+            <a:picLocks noChangeAspect="1"/>
+          </p:cNvPicPr>
+          <p:nvPr/>
+        </p:nvPicPr>
+        <p:blipFill>
+          <a:blip r:embed="rId5">
+            <a:extLst>
+              <a:ext uri="{28A0092B-C50C-407E-A947-70E740481C1C}">
+                <a14:useLocalDpi xmlns:a14="http://schemas.microsoft.com/office/drawing/2010/main" val="0"/>
+              </a:ext>
+            </a:extLst>
+          </a:blip>
+          <a:stretch>
+            <a:fillRect/>
+          </a:stretch>
+        </p:blipFill>
+        <p:spPr>
+          <a:xfrm>
+            <a:off x="3294743" y="-4265751"/>
+            <a:ext cx="3621031" cy="3139446"/>
+          </a:xfrm>
+          <a:prstGeom prst="rect">
+            <a:avLst/>
+          </a:prstGeom>
+        </p:spPr>
+      </p:pic>
+      <p:pic>
+        <p:nvPicPr>
+          <p:cNvPr id="17" name="그림 16">
+            <a:extLst>
+              <a:ext uri="{FF2B5EF4-FFF2-40B4-BE49-F238E27FC236}">
+                <a16:creationId xmlns:a16="http://schemas.microsoft.com/office/drawing/2014/main" id="{712D1C80-C650-44EB-826C-88F72BE829D2}"/>
+              </a:ext>
+            </a:extLst>
+          </p:cNvPr>
+          <p:cNvPicPr>
+            <a:picLocks noChangeAspect="1"/>
+          </p:cNvPicPr>
+          <p:nvPr/>
+        </p:nvPicPr>
+        <p:blipFill>
+          <a:blip r:embed="rId6">
+            <a:extLst>
+              <a:ext uri="{28A0092B-C50C-407E-A947-70E740481C1C}">
+                <a14:useLocalDpi xmlns:a14="http://schemas.microsoft.com/office/drawing/2010/main" val="0"/>
+              </a:ext>
+            </a:extLst>
+          </a:blip>
+          <a:stretch>
+            <a:fillRect/>
+          </a:stretch>
+        </p:blipFill>
+        <p:spPr>
+          <a:xfrm>
+            <a:off x="7101255" y="-4265751"/>
+            <a:ext cx="3621031" cy="3139446"/>
+          </a:xfrm>
+          <a:prstGeom prst="rect">
+            <a:avLst/>
+          </a:prstGeom>
+        </p:spPr>
+      </p:pic>
+    </p:spTree>
+    <p:extLst>
+      <p:ext uri="{BB962C8B-B14F-4D97-AF65-F5344CB8AC3E}">
+        <p14:creationId xmlns:p14="http://schemas.microsoft.com/office/powerpoint/2010/main" val="2456748133"/>
+      </p:ext>
+    </p:extLst>
+  </p:cSld>
+  <p:clrMapOvr>
+    <a:masterClrMapping/>
+  </p:clrMapOvr>
+</p:sld>
+</file>
+
+<file path=ppt/slides/slide4.xml><?xml version="1.0" encoding="utf-8"?>
 <p:sld xmlns:a="http://schemas.openxmlformats.org/drawingml/2006/main" xmlns:r="http://schemas.openxmlformats.org/officeDocument/2006/relationships" xmlns:p="http://schemas.openxmlformats.org/presentationml/2006/main">
   <p:cSld>
     <p:bg>
@@ -5956,6 +6725,1517 @@
           </p:txBody>
         </p:sp>
       </p:grpSp>
+      <p:grpSp>
+        <p:nvGrpSpPr>
+          <p:cNvPr id="22" name="그룹 21">
+            <a:extLst>
+              <a:ext uri="{FF2B5EF4-FFF2-40B4-BE49-F238E27FC236}">
+                <a16:creationId xmlns:a16="http://schemas.microsoft.com/office/drawing/2014/main" id="{D1004B35-9E89-4F9B-AE85-1F558AB94EDC}"/>
+              </a:ext>
+            </a:extLst>
+          </p:cNvPr>
+          <p:cNvGrpSpPr/>
+          <p:nvPr/>
+        </p:nvGrpSpPr>
+        <p:grpSpPr>
+          <a:xfrm>
+            <a:off x="-1216539" y="-3870156"/>
+            <a:ext cx="13605281" cy="2906555"/>
+            <a:chOff x="-985448" y="2031362"/>
+            <a:chExt cx="13605281" cy="2906555"/>
+          </a:xfrm>
+        </p:grpSpPr>
+        <p:sp>
+          <p:nvSpPr>
+            <p:cNvPr id="23" name="타원 22">
+              <a:extLst>
+                <a:ext uri="{FF2B5EF4-FFF2-40B4-BE49-F238E27FC236}">
+                  <a16:creationId xmlns:a16="http://schemas.microsoft.com/office/drawing/2014/main" id="{80A48638-8659-453E-94B0-C7DE1C96B890}"/>
+                </a:ext>
+              </a:extLst>
+            </p:cNvPr>
+            <p:cNvSpPr/>
+            <p:nvPr/>
+          </p:nvSpPr>
+          <p:spPr>
+            <a:xfrm>
+              <a:off x="7400110" y="2031362"/>
+              <a:ext cx="2424537" cy="2310354"/>
+            </a:xfrm>
+            <a:prstGeom prst="ellipse">
+              <a:avLst/>
+            </a:prstGeom>
+            <a:solidFill>
+              <a:srgbClr val="243066"/>
+            </a:solidFill>
+            <a:ln w="57150">
+              <a:solidFill>
+                <a:srgbClr val="002060"/>
+              </a:solidFill>
+            </a:ln>
+          </p:spPr>
+          <p:style>
+            <a:lnRef idx="2">
+              <a:schemeClr val="accent1">
+                <a:shade val="50000"/>
+              </a:schemeClr>
+            </a:lnRef>
+            <a:fillRef idx="1">
+              <a:schemeClr val="accent1"/>
+            </a:fillRef>
+            <a:effectRef idx="0">
+              <a:schemeClr val="accent1"/>
+            </a:effectRef>
+            <a:fontRef idx="minor">
+              <a:schemeClr val="lt1"/>
+            </a:fontRef>
+          </p:style>
+          <p:txBody>
+            <a:bodyPr rtlCol="0" anchor="ctr"/>
+            <a:lstStyle/>
+            <a:p>
+              <a:pPr algn="ctr"/>
+              <a:endParaRPr lang="en-US" altLang="ko-KR" sz="1500" dirty="0">
+                <a:solidFill>
+                  <a:schemeClr val="bg1"/>
+                </a:solidFill>
+                <a:latin typeface="나눔스퀘어 ExtraBold" panose="020B0600000101010101" pitchFamily="50" charset="-127"/>
+                <a:ea typeface="나눔스퀘어 ExtraBold" panose="020B0600000101010101" pitchFamily="50" charset="-127"/>
+              </a:endParaRPr>
+            </a:p>
+            <a:p>
+              <a:pPr algn="ctr"/>
+              <a:r>
+                <a:rPr lang="ko-KR" altLang="en-US" sz="2800" dirty="0">
+                  <a:solidFill>
+                    <a:schemeClr val="bg1"/>
+                  </a:solidFill>
+                  <a:latin typeface="나눔스퀘어 ExtraBold" panose="020B0600000101010101" pitchFamily="50" charset="-127"/>
+                  <a:ea typeface="나눔스퀘어 ExtraBold" panose="020B0600000101010101" pitchFamily="50" charset="-127"/>
+                </a:rPr>
+                <a:t>최종 선발</a:t>
+              </a:r>
+            </a:p>
+            <a:p>
+              <a:pPr algn="ctr"/>
+              <a:endParaRPr lang="en-US" altLang="ko-KR" sz="1000" dirty="0">
+                <a:solidFill>
+                  <a:schemeClr val="bg1"/>
+                </a:solidFill>
+              </a:endParaRPr>
+            </a:p>
+            <a:p>
+              <a:pPr algn="ctr"/>
+              <a:r>
+                <a:rPr lang="en-US" altLang="ko-KR" sz="1799" dirty="0">
+                  <a:solidFill>
+                    <a:schemeClr val="bg1"/>
+                  </a:solidFill>
+                </a:rPr>
+                <a:t>06/16 15:00</a:t>
+              </a:r>
+            </a:p>
+          </p:txBody>
+        </p:sp>
+        <p:sp>
+          <p:nvSpPr>
+            <p:cNvPr id="24" name="이등변 삼각형 23">
+              <a:extLst>
+                <a:ext uri="{FF2B5EF4-FFF2-40B4-BE49-F238E27FC236}">
+                  <a16:creationId xmlns:a16="http://schemas.microsoft.com/office/drawing/2014/main" id="{E0B4CDA3-27B3-4874-8E2A-D832AD23DF8A}"/>
+                </a:ext>
+              </a:extLst>
+            </p:cNvPr>
+            <p:cNvSpPr/>
+            <p:nvPr/>
+          </p:nvSpPr>
+          <p:spPr>
+            <a:xfrm rot="5400000">
+              <a:off x="1312356" y="3089694"/>
+              <a:ext cx="624115" cy="193691"/>
+            </a:xfrm>
+            <a:prstGeom prst="triangle">
+              <a:avLst/>
+            </a:prstGeom>
+            <a:solidFill>
+              <a:schemeClr val="bg1">
+                <a:lumMod val="75000"/>
+              </a:schemeClr>
+            </a:solidFill>
+            <a:ln>
+              <a:noFill/>
+            </a:ln>
+          </p:spPr>
+          <p:style>
+            <a:lnRef idx="2">
+              <a:schemeClr val="accent1">
+                <a:shade val="50000"/>
+              </a:schemeClr>
+            </a:lnRef>
+            <a:fillRef idx="1">
+              <a:schemeClr val="accent1"/>
+            </a:fillRef>
+            <a:effectRef idx="0">
+              <a:schemeClr val="accent1"/>
+            </a:effectRef>
+            <a:fontRef idx="minor">
+              <a:schemeClr val="lt1"/>
+            </a:fontRef>
+          </p:style>
+          <p:txBody>
+            <a:bodyPr rtlCol="0" anchor="ctr"/>
+            <a:lstStyle/>
+            <a:p>
+              <a:pPr algn="ctr"/>
+              <a:endParaRPr lang="ko-KR" altLang="en-US"/>
+            </a:p>
+          </p:txBody>
+        </p:sp>
+        <p:sp>
+          <p:nvSpPr>
+            <p:cNvPr id="25" name="이등변 삼각형 24">
+              <a:extLst>
+                <a:ext uri="{FF2B5EF4-FFF2-40B4-BE49-F238E27FC236}">
+                  <a16:creationId xmlns:a16="http://schemas.microsoft.com/office/drawing/2014/main" id="{26D703EE-9F8B-4C8E-93F2-CA87390E9E60}"/>
+                </a:ext>
+              </a:extLst>
+            </p:cNvPr>
+            <p:cNvSpPr/>
+            <p:nvPr/>
+          </p:nvSpPr>
+          <p:spPr>
+            <a:xfrm rot="5400000">
+              <a:off x="4107542" y="3089694"/>
+              <a:ext cx="624115" cy="193691"/>
+            </a:xfrm>
+            <a:prstGeom prst="triangle">
+              <a:avLst/>
+            </a:prstGeom>
+            <a:solidFill>
+              <a:schemeClr val="bg1">
+                <a:lumMod val="75000"/>
+              </a:schemeClr>
+            </a:solidFill>
+            <a:ln>
+              <a:noFill/>
+            </a:ln>
+          </p:spPr>
+          <p:style>
+            <a:lnRef idx="2">
+              <a:schemeClr val="accent1">
+                <a:shade val="50000"/>
+              </a:schemeClr>
+            </a:lnRef>
+            <a:fillRef idx="1">
+              <a:schemeClr val="accent1"/>
+            </a:fillRef>
+            <a:effectRef idx="0">
+              <a:schemeClr val="accent1"/>
+            </a:effectRef>
+            <a:fontRef idx="minor">
+              <a:schemeClr val="lt1"/>
+            </a:fontRef>
+          </p:style>
+          <p:txBody>
+            <a:bodyPr rtlCol="0" anchor="ctr"/>
+            <a:lstStyle/>
+            <a:p>
+              <a:pPr algn="ctr"/>
+              <a:endParaRPr lang="ko-KR" altLang="en-US"/>
+            </a:p>
+          </p:txBody>
+        </p:sp>
+        <p:sp>
+          <p:nvSpPr>
+            <p:cNvPr id="26" name="이등변 삼각형 25">
+              <a:extLst>
+                <a:ext uri="{FF2B5EF4-FFF2-40B4-BE49-F238E27FC236}">
+                  <a16:creationId xmlns:a16="http://schemas.microsoft.com/office/drawing/2014/main" id="{B5F8B367-97CF-41EB-BA0F-610CB26CDEFD}"/>
+                </a:ext>
+              </a:extLst>
+            </p:cNvPr>
+            <p:cNvSpPr/>
+            <p:nvPr/>
+          </p:nvSpPr>
+          <p:spPr>
+            <a:xfrm rot="5400000">
+              <a:off x="6902728" y="3089694"/>
+              <a:ext cx="624115" cy="193691"/>
+            </a:xfrm>
+            <a:prstGeom prst="triangle">
+              <a:avLst/>
+            </a:prstGeom>
+            <a:solidFill>
+              <a:schemeClr val="bg1">
+                <a:lumMod val="75000"/>
+              </a:schemeClr>
+            </a:solidFill>
+            <a:ln>
+              <a:noFill/>
+            </a:ln>
+          </p:spPr>
+          <p:style>
+            <a:lnRef idx="2">
+              <a:schemeClr val="accent1">
+                <a:shade val="50000"/>
+              </a:schemeClr>
+            </a:lnRef>
+            <a:fillRef idx="1">
+              <a:schemeClr val="accent1"/>
+            </a:fillRef>
+            <a:effectRef idx="0">
+              <a:schemeClr val="accent1"/>
+            </a:effectRef>
+            <a:fontRef idx="minor">
+              <a:schemeClr val="lt1"/>
+            </a:fontRef>
+          </p:style>
+          <p:txBody>
+            <a:bodyPr rtlCol="0" anchor="ctr"/>
+            <a:lstStyle/>
+            <a:p>
+              <a:pPr algn="ctr"/>
+              <a:endParaRPr lang="ko-KR" altLang="en-US"/>
+            </a:p>
+          </p:txBody>
+        </p:sp>
+        <p:sp>
+          <p:nvSpPr>
+            <p:cNvPr id="27" name="TextBox 26">
+              <a:extLst>
+                <a:ext uri="{FF2B5EF4-FFF2-40B4-BE49-F238E27FC236}">
+                  <a16:creationId xmlns:a16="http://schemas.microsoft.com/office/drawing/2014/main" id="{CFB0674A-B64C-4E47-901E-C2EE1DF3E8A2}"/>
+                </a:ext>
+              </a:extLst>
+            </p:cNvPr>
+            <p:cNvSpPr txBox="1"/>
+            <p:nvPr/>
+          </p:nvSpPr>
+          <p:spPr>
+            <a:xfrm>
+              <a:off x="7841598" y="3717811"/>
+              <a:ext cx="1541560" cy="261610"/>
+            </a:xfrm>
+            <a:prstGeom prst="rect">
+              <a:avLst/>
+            </a:prstGeom>
+            <a:noFill/>
+          </p:spPr>
+          <p:txBody>
+            <a:bodyPr wrap="square">
+              <a:spAutoFit/>
+            </a:bodyPr>
+            <a:lstStyle/>
+            <a:p>
+              <a:pPr algn="ctr"/>
+              <a:r>
+                <a:rPr lang="ko-KR" altLang="en-US" sz="1050" dirty="0">
+                  <a:solidFill>
+                    <a:srgbClr val="FF0000"/>
+                  </a:solidFill>
+                  <a:latin typeface="나눔스퀘어 Bold" panose="020B0600000101010101" pitchFamily="50" charset="-127"/>
+                  <a:ea typeface="나눔스퀘어 Bold" panose="020B0600000101010101" pitchFamily="50" charset="-127"/>
+                </a:rPr>
+                <a:t>총 </a:t>
+              </a:r>
+              <a:r>
+                <a:rPr lang="en-US" altLang="ko-KR" sz="1050" dirty="0">
+                  <a:solidFill>
+                    <a:srgbClr val="FF0000"/>
+                  </a:solidFill>
+                  <a:latin typeface="나눔스퀘어 Bold" panose="020B0600000101010101" pitchFamily="50" charset="-127"/>
+                  <a:ea typeface="나눔스퀘어 Bold" panose="020B0600000101010101" pitchFamily="50" charset="-127"/>
+                </a:rPr>
+                <a:t>10</a:t>
+              </a:r>
+              <a:r>
+                <a:rPr lang="ko-KR" altLang="en-US" sz="1050" dirty="0">
+                  <a:solidFill>
+                    <a:srgbClr val="FF0000"/>
+                  </a:solidFill>
+                  <a:latin typeface="나눔스퀘어 Bold" panose="020B0600000101010101" pitchFamily="50" charset="-127"/>
+                  <a:ea typeface="나눔스퀘어 Bold" panose="020B0600000101010101" pitchFamily="50" charset="-127"/>
+                </a:rPr>
+                <a:t>개 기업 선발 예정</a:t>
+              </a:r>
+            </a:p>
+          </p:txBody>
+        </p:sp>
+        <p:sp>
+          <p:nvSpPr>
+            <p:cNvPr id="28" name="타원 27">
+              <a:extLst>
+                <a:ext uri="{FF2B5EF4-FFF2-40B4-BE49-F238E27FC236}">
+                  <a16:creationId xmlns:a16="http://schemas.microsoft.com/office/drawing/2014/main" id="{492D3A51-B754-437F-824A-8792FCBE07B2}"/>
+                </a:ext>
+              </a:extLst>
+            </p:cNvPr>
+            <p:cNvSpPr/>
+            <p:nvPr/>
+          </p:nvSpPr>
+          <p:spPr>
+            <a:xfrm>
+              <a:off x="4604924" y="2031362"/>
+              <a:ext cx="2424537" cy="2310354"/>
+            </a:xfrm>
+            <a:prstGeom prst="ellipse">
+              <a:avLst/>
+            </a:prstGeom>
+            <a:solidFill>
+              <a:srgbClr val="243066"/>
+            </a:solidFill>
+            <a:ln w="57150">
+              <a:solidFill>
+                <a:srgbClr val="002060"/>
+              </a:solidFill>
+            </a:ln>
+          </p:spPr>
+          <p:style>
+            <a:lnRef idx="2">
+              <a:schemeClr val="accent1">
+                <a:shade val="50000"/>
+              </a:schemeClr>
+            </a:lnRef>
+            <a:fillRef idx="1">
+              <a:schemeClr val="accent1"/>
+            </a:fillRef>
+            <a:effectRef idx="0">
+              <a:schemeClr val="accent1"/>
+            </a:effectRef>
+            <a:fontRef idx="minor">
+              <a:schemeClr val="lt1"/>
+            </a:fontRef>
+          </p:style>
+          <p:txBody>
+            <a:bodyPr rtlCol="0" anchor="ctr"/>
+            <a:lstStyle/>
+            <a:p>
+              <a:pPr algn="ctr"/>
+              <a:endParaRPr lang="en-US" altLang="ko-KR" sz="1500" dirty="0">
+                <a:solidFill>
+                  <a:schemeClr val="bg1"/>
+                </a:solidFill>
+                <a:latin typeface="나눔스퀘어 ExtraBold" panose="020B0600000101010101" pitchFamily="50" charset="-127"/>
+                <a:ea typeface="나눔스퀘어 ExtraBold" panose="020B0600000101010101" pitchFamily="50" charset="-127"/>
+              </a:endParaRPr>
+            </a:p>
+            <a:p>
+              <a:pPr algn="ctr"/>
+              <a:r>
+                <a:rPr lang="ko-KR" altLang="en-US" sz="2800" dirty="0">
+                  <a:solidFill>
+                    <a:schemeClr val="bg1"/>
+                  </a:solidFill>
+                  <a:latin typeface="나눔스퀘어 ExtraBold" panose="020B0600000101010101" pitchFamily="50" charset="-127"/>
+                  <a:ea typeface="나눔스퀘어 ExtraBold" panose="020B0600000101010101" pitchFamily="50" charset="-127"/>
+                </a:rPr>
+                <a:t>대면 평가</a:t>
+              </a:r>
+              <a:endParaRPr lang="en-US" altLang="ko-KR" sz="2800" dirty="0">
+                <a:solidFill>
+                  <a:schemeClr val="bg1"/>
+                </a:solidFill>
+                <a:latin typeface="나눔스퀘어 ExtraBold" panose="020B0600000101010101" pitchFamily="50" charset="-127"/>
+                <a:ea typeface="나눔스퀘어 ExtraBold" panose="020B0600000101010101" pitchFamily="50" charset="-127"/>
+              </a:endParaRPr>
+            </a:p>
+            <a:p>
+              <a:pPr algn="ctr"/>
+              <a:endParaRPr lang="en-US" altLang="ko-KR" sz="1000" dirty="0">
+                <a:solidFill>
+                  <a:schemeClr val="bg1"/>
+                </a:solidFill>
+              </a:endParaRPr>
+            </a:p>
+            <a:p>
+              <a:pPr algn="ctr"/>
+              <a:r>
+                <a:rPr lang="en-US" altLang="ko-KR" sz="1799" dirty="0">
+                  <a:solidFill>
+                    <a:schemeClr val="bg1"/>
+                  </a:solidFill>
+                </a:rPr>
+                <a:t>06/14~06/15</a:t>
+              </a:r>
+            </a:p>
+          </p:txBody>
+        </p:sp>
+        <p:sp>
+          <p:nvSpPr>
+            <p:cNvPr id="29" name="타원 28">
+              <a:extLst>
+                <a:ext uri="{FF2B5EF4-FFF2-40B4-BE49-F238E27FC236}">
+                  <a16:creationId xmlns:a16="http://schemas.microsoft.com/office/drawing/2014/main" id="{75FCD046-4FDE-454A-A9FE-7E100D7989B5}"/>
+                </a:ext>
+              </a:extLst>
+            </p:cNvPr>
+            <p:cNvSpPr/>
+            <p:nvPr/>
+          </p:nvSpPr>
+          <p:spPr>
+            <a:xfrm>
+              <a:off x="1809738" y="2031362"/>
+              <a:ext cx="2424537" cy="2310354"/>
+            </a:xfrm>
+            <a:prstGeom prst="ellipse">
+              <a:avLst/>
+            </a:prstGeom>
+            <a:solidFill>
+              <a:srgbClr val="243066"/>
+            </a:solidFill>
+            <a:ln w="57150">
+              <a:solidFill>
+                <a:srgbClr val="002060"/>
+              </a:solidFill>
+            </a:ln>
+          </p:spPr>
+          <p:style>
+            <a:lnRef idx="2">
+              <a:schemeClr val="accent1">
+                <a:shade val="50000"/>
+              </a:schemeClr>
+            </a:lnRef>
+            <a:fillRef idx="1">
+              <a:schemeClr val="accent1"/>
+            </a:fillRef>
+            <a:effectRef idx="0">
+              <a:schemeClr val="accent1"/>
+            </a:effectRef>
+            <a:fontRef idx="minor">
+              <a:schemeClr val="lt1"/>
+            </a:fontRef>
+          </p:style>
+          <p:txBody>
+            <a:bodyPr rtlCol="0" anchor="ctr"/>
+            <a:lstStyle/>
+            <a:p>
+              <a:pPr algn="ctr"/>
+              <a:endParaRPr lang="en-US" altLang="ko-KR" sz="1500" dirty="0">
+                <a:solidFill>
+                  <a:schemeClr val="bg1"/>
+                </a:solidFill>
+                <a:latin typeface="나눔스퀘어 ExtraBold" panose="020B0600000101010101" pitchFamily="50" charset="-127"/>
+                <a:ea typeface="나눔스퀘어 ExtraBold" panose="020B0600000101010101" pitchFamily="50" charset="-127"/>
+              </a:endParaRPr>
+            </a:p>
+            <a:p>
+              <a:pPr algn="ctr"/>
+              <a:r>
+                <a:rPr lang="ko-KR" altLang="en-US" sz="2800" dirty="0">
+                  <a:solidFill>
+                    <a:schemeClr val="bg1"/>
+                  </a:solidFill>
+                  <a:latin typeface="나눔스퀘어 ExtraBold" panose="020B0600000101010101" pitchFamily="50" charset="-127"/>
+                  <a:ea typeface="나눔스퀘어 ExtraBold" panose="020B0600000101010101" pitchFamily="50" charset="-127"/>
+                </a:rPr>
+                <a:t>서류 평가</a:t>
+              </a:r>
+              <a:endParaRPr lang="en-US" altLang="ko-KR" sz="2800" dirty="0">
+                <a:solidFill>
+                  <a:schemeClr val="bg1"/>
+                </a:solidFill>
+                <a:latin typeface="나눔스퀘어 ExtraBold" panose="020B0600000101010101" pitchFamily="50" charset="-127"/>
+                <a:ea typeface="나눔스퀘어 ExtraBold" panose="020B0600000101010101" pitchFamily="50" charset="-127"/>
+              </a:endParaRPr>
+            </a:p>
+            <a:p>
+              <a:pPr algn="ctr"/>
+              <a:endParaRPr lang="en-US" altLang="ko-KR" sz="1000" dirty="0">
+                <a:solidFill>
+                  <a:schemeClr val="bg1"/>
+                </a:solidFill>
+              </a:endParaRPr>
+            </a:p>
+            <a:p>
+              <a:pPr algn="ctr"/>
+              <a:r>
+                <a:rPr lang="en-US" altLang="ko-KR" sz="1799" dirty="0">
+                  <a:solidFill>
+                    <a:schemeClr val="bg1"/>
+                  </a:solidFill>
+                </a:rPr>
+                <a:t>06/05~06/08</a:t>
+              </a:r>
+            </a:p>
+          </p:txBody>
+        </p:sp>
+        <p:sp>
+          <p:nvSpPr>
+            <p:cNvPr id="30" name="타원 29">
+              <a:extLst>
+                <a:ext uri="{FF2B5EF4-FFF2-40B4-BE49-F238E27FC236}">
+                  <a16:creationId xmlns:a16="http://schemas.microsoft.com/office/drawing/2014/main" id="{85F17773-36D4-4F53-A283-C7C58608FE23}"/>
+                </a:ext>
+              </a:extLst>
+            </p:cNvPr>
+            <p:cNvSpPr/>
+            <p:nvPr/>
+          </p:nvSpPr>
+          <p:spPr>
+            <a:xfrm>
+              <a:off x="-985448" y="2031362"/>
+              <a:ext cx="2424537" cy="2310354"/>
+            </a:xfrm>
+            <a:prstGeom prst="ellipse">
+              <a:avLst/>
+            </a:prstGeom>
+            <a:solidFill>
+              <a:srgbClr val="243066"/>
+            </a:solidFill>
+            <a:ln w="57150">
+              <a:solidFill>
+                <a:srgbClr val="002060"/>
+              </a:solidFill>
+            </a:ln>
+          </p:spPr>
+          <p:style>
+            <a:lnRef idx="2">
+              <a:schemeClr val="accent1">
+                <a:shade val="50000"/>
+              </a:schemeClr>
+            </a:lnRef>
+            <a:fillRef idx="1">
+              <a:schemeClr val="accent1"/>
+            </a:fillRef>
+            <a:effectRef idx="0">
+              <a:schemeClr val="accent1"/>
+            </a:effectRef>
+            <a:fontRef idx="minor">
+              <a:schemeClr val="lt1"/>
+            </a:fontRef>
+          </p:style>
+          <p:txBody>
+            <a:bodyPr rtlCol="0" anchor="ctr"/>
+            <a:lstStyle/>
+            <a:p>
+              <a:pPr algn="ctr"/>
+              <a:endParaRPr lang="en-US" altLang="ko-KR" sz="1500" dirty="0">
+                <a:solidFill>
+                  <a:schemeClr val="bg1"/>
+                </a:solidFill>
+                <a:latin typeface="나눔스퀘어 ExtraBold" panose="020B0600000101010101" pitchFamily="50" charset="-127"/>
+                <a:ea typeface="나눔스퀘어 ExtraBold" panose="020B0600000101010101" pitchFamily="50" charset="-127"/>
+              </a:endParaRPr>
+            </a:p>
+            <a:p>
+              <a:pPr algn="ctr"/>
+              <a:r>
+                <a:rPr lang="ko-KR" altLang="en-US" sz="2800" dirty="0">
+                  <a:solidFill>
+                    <a:schemeClr val="bg1"/>
+                  </a:solidFill>
+                  <a:latin typeface="나눔스퀘어 ExtraBold" panose="020B0600000101010101" pitchFamily="50" charset="-127"/>
+                  <a:ea typeface="나눔스퀘어 ExtraBold" panose="020B0600000101010101" pitchFamily="50" charset="-127"/>
+                </a:rPr>
+                <a:t>서류 접수</a:t>
+              </a:r>
+              <a:endParaRPr lang="en-US" altLang="ko-KR" sz="2800" dirty="0">
+                <a:solidFill>
+                  <a:schemeClr val="bg1"/>
+                </a:solidFill>
+                <a:latin typeface="나눔스퀘어 ExtraBold" panose="020B0600000101010101" pitchFamily="50" charset="-127"/>
+                <a:ea typeface="나눔스퀘어 ExtraBold" panose="020B0600000101010101" pitchFamily="50" charset="-127"/>
+              </a:endParaRPr>
+            </a:p>
+            <a:p>
+              <a:pPr algn="ctr"/>
+              <a:endParaRPr lang="en-US" altLang="ko-KR" sz="1000" dirty="0">
+                <a:solidFill>
+                  <a:schemeClr val="bg1"/>
+                </a:solidFill>
+              </a:endParaRPr>
+            </a:p>
+            <a:p>
+              <a:pPr algn="ctr"/>
+              <a:r>
+                <a:rPr lang="en-US" altLang="ko-KR" sz="1799" dirty="0">
+                  <a:solidFill>
+                    <a:schemeClr val="bg1"/>
+                  </a:solidFill>
+                </a:rPr>
+                <a:t>05/18~06/06</a:t>
+              </a:r>
+            </a:p>
+          </p:txBody>
+        </p:sp>
+        <p:sp>
+          <p:nvSpPr>
+            <p:cNvPr id="31" name="TextBox 30">
+              <a:extLst>
+                <a:ext uri="{FF2B5EF4-FFF2-40B4-BE49-F238E27FC236}">
+                  <a16:creationId xmlns:a16="http://schemas.microsoft.com/office/drawing/2014/main" id="{556AE3E2-B3EA-46AE-8B5C-C3AF65A96774}"/>
+                </a:ext>
+              </a:extLst>
+            </p:cNvPr>
+            <p:cNvSpPr txBox="1"/>
+            <p:nvPr/>
+          </p:nvSpPr>
+          <p:spPr>
+            <a:xfrm>
+              <a:off x="6598929" y="4630140"/>
+              <a:ext cx="6020904" cy="307777"/>
+            </a:xfrm>
+            <a:prstGeom prst="rect">
+              <a:avLst/>
+            </a:prstGeom>
+            <a:noFill/>
+          </p:spPr>
+          <p:txBody>
+            <a:bodyPr wrap="square">
+              <a:spAutoFit/>
+            </a:bodyPr>
+            <a:lstStyle/>
+            <a:p>
+              <a:pPr algn="r"/>
+              <a:r>
+                <a:rPr lang="ko-KR" altLang="en-US" sz="1400" dirty="0">
+                  <a:solidFill>
+                    <a:schemeClr val="tx1">
+                      <a:lumMod val="50000"/>
+                      <a:lumOff val="50000"/>
+                    </a:schemeClr>
+                  </a:solidFill>
+                  <a:latin typeface="나눔스퀘어 Bold" panose="020B0600000101010101" pitchFamily="50" charset="-127"/>
+                  <a:ea typeface="나눔스퀘어 Bold" panose="020B0600000101010101" pitchFamily="50" charset="-127"/>
+                </a:rPr>
+                <a:t>** 평가 일정은 변동될 수 있으며</a:t>
+              </a:r>
+              <a:r>
+                <a:rPr lang="en-US" altLang="ko-KR" sz="1400" dirty="0">
+                  <a:solidFill>
+                    <a:schemeClr val="tx1">
+                      <a:lumMod val="50000"/>
+                      <a:lumOff val="50000"/>
+                    </a:schemeClr>
+                  </a:solidFill>
+                  <a:latin typeface="나눔스퀘어 Bold" panose="020B0600000101010101" pitchFamily="50" charset="-127"/>
+                  <a:ea typeface="나눔스퀘어 Bold" panose="020B0600000101010101" pitchFamily="50" charset="-127"/>
+                </a:rPr>
+                <a:t>, </a:t>
+              </a:r>
+              <a:r>
+                <a:rPr lang="ko-KR" altLang="en-US" sz="1400" dirty="0">
+                  <a:solidFill>
+                    <a:schemeClr val="tx1">
+                      <a:lumMod val="50000"/>
+                      <a:lumOff val="50000"/>
+                    </a:schemeClr>
+                  </a:solidFill>
+                  <a:latin typeface="나눔스퀘어 Bold" panose="020B0600000101010101" pitchFamily="50" charset="-127"/>
+                  <a:ea typeface="나눔스퀘어 Bold" panose="020B0600000101010101" pitchFamily="50" charset="-127"/>
+                </a:rPr>
+                <a:t>선발 기업에게는 미리 안내드릴 예정입니다</a:t>
+              </a:r>
+              <a:r>
+                <a:rPr lang="en-US" altLang="ko-KR" sz="1400" dirty="0">
+                  <a:solidFill>
+                    <a:schemeClr val="tx1">
+                      <a:lumMod val="50000"/>
+                      <a:lumOff val="50000"/>
+                    </a:schemeClr>
+                  </a:solidFill>
+                  <a:latin typeface="나눔스퀘어 Bold" panose="020B0600000101010101" pitchFamily="50" charset="-127"/>
+                  <a:ea typeface="나눔스퀘어 Bold" panose="020B0600000101010101" pitchFamily="50" charset="-127"/>
+                </a:rPr>
+                <a:t>.</a:t>
+              </a:r>
+              <a:endParaRPr lang="ko-KR" altLang="en-US" sz="1400" dirty="0">
+                <a:solidFill>
+                  <a:schemeClr val="tx1">
+                    <a:lumMod val="50000"/>
+                    <a:lumOff val="50000"/>
+                  </a:schemeClr>
+                </a:solidFill>
+                <a:latin typeface="나눔스퀘어 Bold" panose="020B0600000101010101" pitchFamily="50" charset="-127"/>
+                <a:ea typeface="나눔스퀘어 Bold" panose="020B0600000101010101" pitchFamily="50" charset="-127"/>
+              </a:endParaRPr>
+            </a:p>
+          </p:txBody>
+        </p:sp>
+        <p:sp>
+          <p:nvSpPr>
+            <p:cNvPr id="32" name="자유형: 도형 31">
+              <a:extLst>
+                <a:ext uri="{FF2B5EF4-FFF2-40B4-BE49-F238E27FC236}">
+                  <a16:creationId xmlns:a16="http://schemas.microsoft.com/office/drawing/2014/main" id="{A85EF606-B94B-4376-A652-51652620A2AF}"/>
+                </a:ext>
+              </a:extLst>
+            </p:cNvPr>
+            <p:cNvSpPr/>
+            <p:nvPr/>
+          </p:nvSpPr>
+          <p:spPr>
+            <a:xfrm>
+              <a:off x="-794733" y="2031362"/>
+              <a:ext cx="2043106" cy="537958"/>
+            </a:xfrm>
+            <a:custGeom>
+              <a:avLst/>
+              <a:gdLst>
+                <a:gd name="connsiteX0" fmla="*/ 1021553 w 2043106"/>
+                <a:gd name="connsiteY0" fmla="*/ 0 h 537958"/>
+                <a:gd name="connsiteX1" fmla="*/ 2026786 w 2043106"/>
+                <a:gd name="connsiteY1" fmla="*/ 509306 h 537958"/>
+                <a:gd name="connsiteX2" fmla="*/ 2043106 w 2043106"/>
+                <a:gd name="connsiteY2" fmla="*/ 537958 h 537958"/>
+                <a:gd name="connsiteX3" fmla="*/ 0 w 2043106"/>
+                <a:gd name="connsiteY3" fmla="*/ 537958 h 537958"/>
+                <a:gd name="connsiteX4" fmla="*/ 16321 w 2043106"/>
+                <a:gd name="connsiteY4" fmla="*/ 509306 h 537958"/>
+                <a:gd name="connsiteX5" fmla="*/ 1021553 w 2043106"/>
+                <a:gd name="connsiteY5" fmla="*/ 0 h 537958"/>
+              </a:gdLst>
+              <a:ahLst/>
+              <a:cxnLst>
+                <a:cxn ang="0">
+                  <a:pos x="connsiteX0" y="connsiteY0"/>
+                </a:cxn>
+                <a:cxn ang="0">
+                  <a:pos x="connsiteX1" y="connsiteY1"/>
+                </a:cxn>
+                <a:cxn ang="0">
+                  <a:pos x="connsiteX2" y="connsiteY2"/>
+                </a:cxn>
+                <a:cxn ang="0">
+                  <a:pos x="connsiteX3" y="connsiteY3"/>
+                </a:cxn>
+                <a:cxn ang="0">
+                  <a:pos x="connsiteX4" y="connsiteY4"/>
+                </a:cxn>
+                <a:cxn ang="0">
+                  <a:pos x="connsiteX5" y="connsiteY5"/>
+                </a:cxn>
+              </a:cxnLst>
+              <a:rect l="l" t="t" r="r" b="b"/>
+              <a:pathLst>
+                <a:path w="2043106" h="537958">
+                  <a:moveTo>
+                    <a:pt x="1021553" y="0"/>
+                  </a:moveTo>
+                  <a:cubicBezTo>
+                    <a:pt x="1440002" y="0"/>
+                    <a:pt x="1808932" y="202027"/>
+                    <a:pt x="2026786" y="509306"/>
+                  </a:cubicBezTo>
+                  <a:lnTo>
+                    <a:pt x="2043106" y="537958"/>
+                  </a:lnTo>
+                  <a:lnTo>
+                    <a:pt x="0" y="537958"/>
+                  </a:lnTo>
+                  <a:lnTo>
+                    <a:pt x="16321" y="509306"/>
+                  </a:lnTo>
+                  <a:cubicBezTo>
+                    <a:pt x="234174" y="202027"/>
+                    <a:pt x="603104" y="0"/>
+                    <a:pt x="1021553" y="0"/>
+                  </a:cubicBezTo>
+                  <a:close/>
+                </a:path>
+              </a:pathLst>
+            </a:custGeom>
+            <a:solidFill>
+              <a:schemeClr val="bg1"/>
+            </a:solidFill>
+            <a:ln w="57150">
+              <a:noFill/>
+            </a:ln>
+          </p:spPr>
+          <p:style>
+            <a:lnRef idx="2">
+              <a:schemeClr val="accent1">
+                <a:shade val="50000"/>
+              </a:schemeClr>
+            </a:lnRef>
+            <a:fillRef idx="1">
+              <a:schemeClr val="accent1"/>
+            </a:fillRef>
+            <a:effectRef idx="0">
+              <a:schemeClr val="accent1"/>
+            </a:effectRef>
+            <a:fontRef idx="minor">
+              <a:schemeClr val="lt1"/>
+            </a:fontRef>
+          </p:style>
+          <p:txBody>
+            <a:bodyPr wrap="square" tIns="108000" rtlCol="0" anchor="ctr">
+              <a:noAutofit/>
+            </a:bodyPr>
+            <a:lstStyle/>
+            <a:p>
+              <a:pPr algn="ctr"/>
+              <a:r>
+                <a:rPr lang="en-US" altLang="ko-KR" sz="1600" dirty="0">
+                  <a:solidFill>
+                    <a:srgbClr val="243066"/>
+                  </a:solidFill>
+                  <a:latin typeface="나눔스퀘어 ExtraBold" panose="020B0600000101010101" pitchFamily="50" charset="-127"/>
+                  <a:ea typeface="나눔스퀘어 ExtraBold" panose="020B0600000101010101" pitchFamily="50" charset="-127"/>
+                </a:rPr>
+                <a:t>Step 1</a:t>
+              </a:r>
+            </a:p>
+          </p:txBody>
+        </p:sp>
+        <p:sp>
+          <p:nvSpPr>
+            <p:cNvPr id="33" name="자유형: 도형 32">
+              <a:extLst>
+                <a:ext uri="{FF2B5EF4-FFF2-40B4-BE49-F238E27FC236}">
+                  <a16:creationId xmlns:a16="http://schemas.microsoft.com/office/drawing/2014/main" id="{2166496A-5CD1-4E15-8954-B8A478CE02D0}"/>
+                </a:ext>
+              </a:extLst>
+            </p:cNvPr>
+            <p:cNvSpPr/>
+            <p:nvPr/>
+          </p:nvSpPr>
+          <p:spPr>
+            <a:xfrm>
+              <a:off x="2000453" y="2031362"/>
+              <a:ext cx="2043106" cy="537958"/>
+            </a:xfrm>
+            <a:custGeom>
+              <a:avLst/>
+              <a:gdLst>
+                <a:gd name="connsiteX0" fmla="*/ 1021553 w 2043106"/>
+                <a:gd name="connsiteY0" fmla="*/ 0 h 537958"/>
+                <a:gd name="connsiteX1" fmla="*/ 2026786 w 2043106"/>
+                <a:gd name="connsiteY1" fmla="*/ 509306 h 537958"/>
+                <a:gd name="connsiteX2" fmla="*/ 2043106 w 2043106"/>
+                <a:gd name="connsiteY2" fmla="*/ 537958 h 537958"/>
+                <a:gd name="connsiteX3" fmla="*/ 0 w 2043106"/>
+                <a:gd name="connsiteY3" fmla="*/ 537958 h 537958"/>
+                <a:gd name="connsiteX4" fmla="*/ 16321 w 2043106"/>
+                <a:gd name="connsiteY4" fmla="*/ 509306 h 537958"/>
+                <a:gd name="connsiteX5" fmla="*/ 1021553 w 2043106"/>
+                <a:gd name="connsiteY5" fmla="*/ 0 h 537958"/>
+              </a:gdLst>
+              <a:ahLst/>
+              <a:cxnLst>
+                <a:cxn ang="0">
+                  <a:pos x="connsiteX0" y="connsiteY0"/>
+                </a:cxn>
+                <a:cxn ang="0">
+                  <a:pos x="connsiteX1" y="connsiteY1"/>
+                </a:cxn>
+                <a:cxn ang="0">
+                  <a:pos x="connsiteX2" y="connsiteY2"/>
+                </a:cxn>
+                <a:cxn ang="0">
+                  <a:pos x="connsiteX3" y="connsiteY3"/>
+                </a:cxn>
+                <a:cxn ang="0">
+                  <a:pos x="connsiteX4" y="connsiteY4"/>
+                </a:cxn>
+                <a:cxn ang="0">
+                  <a:pos x="connsiteX5" y="connsiteY5"/>
+                </a:cxn>
+              </a:cxnLst>
+              <a:rect l="l" t="t" r="r" b="b"/>
+              <a:pathLst>
+                <a:path w="2043106" h="537958">
+                  <a:moveTo>
+                    <a:pt x="1021553" y="0"/>
+                  </a:moveTo>
+                  <a:cubicBezTo>
+                    <a:pt x="1440002" y="0"/>
+                    <a:pt x="1808932" y="202027"/>
+                    <a:pt x="2026786" y="509306"/>
+                  </a:cubicBezTo>
+                  <a:lnTo>
+                    <a:pt x="2043106" y="537958"/>
+                  </a:lnTo>
+                  <a:lnTo>
+                    <a:pt x="0" y="537958"/>
+                  </a:lnTo>
+                  <a:lnTo>
+                    <a:pt x="16321" y="509306"/>
+                  </a:lnTo>
+                  <a:cubicBezTo>
+                    <a:pt x="234174" y="202027"/>
+                    <a:pt x="603104" y="0"/>
+                    <a:pt x="1021553" y="0"/>
+                  </a:cubicBezTo>
+                  <a:close/>
+                </a:path>
+              </a:pathLst>
+            </a:custGeom>
+            <a:solidFill>
+              <a:schemeClr val="bg1"/>
+            </a:solidFill>
+            <a:ln w="57150">
+              <a:noFill/>
+            </a:ln>
+          </p:spPr>
+          <p:style>
+            <a:lnRef idx="2">
+              <a:schemeClr val="accent1">
+                <a:shade val="50000"/>
+              </a:schemeClr>
+            </a:lnRef>
+            <a:fillRef idx="1">
+              <a:schemeClr val="accent1"/>
+            </a:fillRef>
+            <a:effectRef idx="0">
+              <a:schemeClr val="accent1"/>
+            </a:effectRef>
+            <a:fontRef idx="minor">
+              <a:schemeClr val="lt1"/>
+            </a:fontRef>
+          </p:style>
+          <p:txBody>
+            <a:bodyPr wrap="square" tIns="108000" rtlCol="0" anchor="ctr">
+              <a:noAutofit/>
+            </a:bodyPr>
+            <a:lstStyle/>
+            <a:p>
+              <a:pPr algn="ctr"/>
+              <a:r>
+                <a:rPr lang="en-US" altLang="ko-KR" sz="1600" dirty="0">
+                  <a:solidFill>
+                    <a:srgbClr val="243066"/>
+                  </a:solidFill>
+                  <a:latin typeface="나눔스퀘어 ExtraBold" panose="020B0600000101010101" pitchFamily="50" charset="-127"/>
+                  <a:ea typeface="나눔스퀘어 ExtraBold" panose="020B0600000101010101" pitchFamily="50" charset="-127"/>
+                </a:rPr>
+                <a:t>Step 2</a:t>
+              </a:r>
+            </a:p>
+          </p:txBody>
+        </p:sp>
+        <p:sp>
+          <p:nvSpPr>
+            <p:cNvPr id="34" name="자유형: 도형 33">
+              <a:extLst>
+                <a:ext uri="{FF2B5EF4-FFF2-40B4-BE49-F238E27FC236}">
+                  <a16:creationId xmlns:a16="http://schemas.microsoft.com/office/drawing/2014/main" id="{3DCFAF18-A65F-4227-A25C-E7F7ECD2F8C8}"/>
+                </a:ext>
+              </a:extLst>
+            </p:cNvPr>
+            <p:cNvSpPr/>
+            <p:nvPr/>
+          </p:nvSpPr>
+          <p:spPr>
+            <a:xfrm>
+              <a:off x="4795639" y="2031362"/>
+              <a:ext cx="2043106" cy="537958"/>
+            </a:xfrm>
+            <a:custGeom>
+              <a:avLst/>
+              <a:gdLst>
+                <a:gd name="connsiteX0" fmla="*/ 1021553 w 2043106"/>
+                <a:gd name="connsiteY0" fmla="*/ 0 h 537958"/>
+                <a:gd name="connsiteX1" fmla="*/ 2026786 w 2043106"/>
+                <a:gd name="connsiteY1" fmla="*/ 509306 h 537958"/>
+                <a:gd name="connsiteX2" fmla="*/ 2043106 w 2043106"/>
+                <a:gd name="connsiteY2" fmla="*/ 537958 h 537958"/>
+                <a:gd name="connsiteX3" fmla="*/ 0 w 2043106"/>
+                <a:gd name="connsiteY3" fmla="*/ 537958 h 537958"/>
+                <a:gd name="connsiteX4" fmla="*/ 16321 w 2043106"/>
+                <a:gd name="connsiteY4" fmla="*/ 509306 h 537958"/>
+                <a:gd name="connsiteX5" fmla="*/ 1021553 w 2043106"/>
+                <a:gd name="connsiteY5" fmla="*/ 0 h 537958"/>
+              </a:gdLst>
+              <a:ahLst/>
+              <a:cxnLst>
+                <a:cxn ang="0">
+                  <a:pos x="connsiteX0" y="connsiteY0"/>
+                </a:cxn>
+                <a:cxn ang="0">
+                  <a:pos x="connsiteX1" y="connsiteY1"/>
+                </a:cxn>
+                <a:cxn ang="0">
+                  <a:pos x="connsiteX2" y="connsiteY2"/>
+                </a:cxn>
+                <a:cxn ang="0">
+                  <a:pos x="connsiteX3" y="connsiteY3"/>
+                </a:cxn>
+                <a:cxn ang="0">
+                  <a:pos x="connsiteX4" y="connsiteY4"/>
+                </a:cxn>
+                <a:cxn ang="0">
+                  <a:pos x="connsiteX5" y="connsiteY5"/>
+                </a:cxn>
+              </a:cxnLst>
+              <a:rect l="l" t="t" r="r" b="b"/>
+              <a:pathLst>
+                <a:path w="2043106" h="537958">
+                  <a:moveTo>
+                    <a:pt x="1021553" y="0"/>
+                  </a:moveTo>
+                  <a:cubicBezTo>
+                    <a:pt x="1440002" y="0"/>
+                    <a:pt x="1808932" y="202027"/>
+                    <a:pt x="2026786" y="509306"/>
+                  </a:cubicBezTo>
+                  <a:lnTo>
+                    <a:pt x="2043106" y="537958"/>
+                  </a:lnTo>
+                  <a:lnTo>
+                    <a:pt x="0" y="537958"/>
+                  </a:lnTo>
+                  <a:lnTo>
+                    <a:pt x="16321" y="509306"/>
+                  </a:lnTo>
+                  <a:cubicBezTo>
+                    <a:pt x="234174" y="202027"/>
+                    <a:pt x="603104" y="0"/>
+                    <a:pt x="1021553" y="0"/>
+                  </a:cubicBezTo>
+                  <a:close/>
+                </a:path>
+              </a:pathLst>
+            </a:custGeom>
+            <a:solidFill>
+              <a:schemeClr val="bg1"/>
+            </a:solidFill>
+            <a:ln w="57150">
+              <a:noFill/>
+            </a:ln>
+          </p:spPr>
+          <p:style>
+            <a:lnRef idx="2">
+              <a:schemeClr val="accent1">
+                <a:shade val="50000"/>
+              </a:schemeClr>
+            </a:lnRef>
+            <a:fillRef idx="1">
+              <a:schemeClr val="accent1"/>
+            </a:fillRef>
+            <a:effectRef idx="0">
+              <a:schemeClr val="accent1"/>
+            </a:effectRef>
+            <a:fontRef idx="minor">
+              <a:schemeClr val="lt1"/>
+            </a:fontRef>
+          </p:style>
+          <p:txBody>
+            <a:bodyPr wrap="square" tIns="108000" rtlCol="0" anchor="ctr">
+              <a:noAutofit/>
+            </a:bodyPr>
+            <a:lstStyle/>
+            <a:p>
+              <a:pPr algn="ctr"/>
+              <a:r>
+                <a:rPr lang="en-US" altLang="ko-KR" sz="1600" dirty="0">
+                  <a:solidFill>
+                    <a:srgbClr val="243066"/>
+                  </a:solidFill>
+                  <a:latin typeface="나눔스퀘어 ExtraBold" panose="020B0600000101010101" pitchFamily="50" charset="-127"/>
+                  <a:ea typeface="나눔스퀘어 ExtraBold" panose="020B0600000101010101" pitchFamily="50" charset="-127"/>
+                </a:rPr>
+                <a:t>Step 3</a:t>
+              </a:r>
+            </a:p>
+          </p:txBody>
+        </p:sp>
+        <p:sp>
+          <p:nvSpPr>
+            <p:cNvPr id="35" name="자유형: 도형 34">
+              <a:extLst>
+                <a:ext uri="{FF2B5EF4-FFF2-40B4-BE49-F238E27FC236}">
+                  <a16:creationId xmlns:a16="http://schemas.microsoft.com/office/drawing/2014/main" id="{0AF1E941-9830-43DF-AFEE-4B34B7C93A4F}"/>
+                </a:ext>
+              </a:extLst>
+            </p:cNvPr>
+            <p:cNvSpPr/>
+            <p:nvPr/>
+          </p:nvSpPr>
+          <p:spPr>
+            <a:xfrm>
+              <a:off x="7590825" y="2031362"/>
+              <a:ext cx="2043106" cy="537958"/>
+            </a:xfrm>
+            <a:custGeom>
+              <a:avLst/>
+              <a:gdLst>
+                <a:gd name="connsiteX0" fmla="*/ 1021553 w 2043106"/>
+                <a:gd name="connsiteY0" fmla="*/ 0 h 537958"/>
+                <a:gd name="connsiteX1" fmla="*/ 2026786 w 2043106"/>
+                <a:gd name="connsiteY1" fmla="*/ 509306 h 537958"/>
+                <a:gd name="connsiteX2" fmla="*/ 2043106 w 2043106"/>
+                <a:gd name="connsiteY2" fmla="*/ 537958 h 537958"/>
+                <a:gd name="connsiteX3" fmla="*/ 0 w 2043106"/>
+                <a:gd name="connsiteY3" fmla="*/ 537958 h 537958"/>
+                <a:gd name="connsiteX4" fmla="*/ 16321 w 2043106"/>
+                <a:gd name="connsiteY4" fmla="*/ 509306 h 537958"/>
+                <a:gd name="connsiteX5" fmla="*/ 1021553 w 2043106"/>
+                <a:gd name="connsiteY5" fmla="*/ 0 h 537958"/>
+              </a:gdLst>
+              <a:ahLst/>
+              <a:cxnLst>
+                <a:cxn ang="0">
+                  <a:pos x="connsiteX0" y="connsiteY0"/>
+                </a:cxn>
+                <a:cxn ang="0">
+                  <a:pos x="connsiteX1" y="connsiteY1"/>
+                </a:cxn>
+                <a:cxn ang="0">
+                  <a:pos x="connsiteX2" y="connsiteY2"/>
+                </a:cxn>
+                <a:cxn ang="0">
+                  <a:pos x="connsiteX3" y="connsiteY3"/>
+                </a:cxn>
+                <a:cxn ang="0">
+                  <a:pos x="connsiteX4" y="connsiteY4"/>
+                </a:cxn>
+                <a:cxn ang="0">
+                  <a:pos x="connsiteX5" y="connsiteY5"/>
+                </a:cxn>
+              </a:cxnLst>
+              <a:rect l="l" t="t" r="r" b="b"/>
+              <a:pathLst>
+                <a:path w="2043106" h="537958">
+                  <a:moveTo>
+                    <a:pt x="1021553" y="0"/>
+                  </a:moveTo>
+                  <a:cubicBezTo>
+                    <a:pt x="1440002" y="0"/>
+                    <a:pt x="1808932" y="202027"/>
+                    <a:pt x="2026786" y="509306"/>
+                  </a:cubicBezTo>
+                  <a:lnTo>
+                    <a:pt x="2043106" y="537958"/>
+                  </a:lnTo>
+                  <a:lnTo>
+                    <a:pt x="0" y="537958"/>
+                  </a:lnTo>
+                  <a:lnTo>
+                    <a:pt x="16321" y="509306"/>
+                  </a:lnTo>
+                  <a:cubicBezTo>
+                    <a:pt x="234174" y="202027"/>
+                    <a:pt x="603104" y="0"/>
+                    <a:pt x="1021553" y="0"/>
+                  </a:cubicBezTo>
+                  <a:close/>
+                </a:path>
+              </a:pathLst>
+            </a:custGeom>
+            <a:solidFill>
+              <a:schemeClr val="bg1"/>
+            </a:solidFill>
+            <a:ln w="57150">
+              <a:noFill/>
+            </a:ln>
+          </p:spPr>
+          <p:style>
+            <a:lnRef idx="2">
+              <a:schemeClr val="accent1">
+                <a:shade val="50000"/>
+              </a:schemeClr>
+            </a:lnRef>
+            <a:fillRef idx="1">
+              <a:schemeClr val="accent1"/>
+            </a:fillRef>
+            <a:effectRef idx="0">
+              <a:schemeClr val="accent1"/>
+            </a:effectRef>
+            <a:fontRef idx="minor">
+              <a:schemeClr val="lt1"/>
+            </a:fontRef>
+          </p:style>
+          <p:txBody>
+            <a:bodyPr wrap="square" tIns="108000" rtlCol="0" anchor="ctr">
+              <a:noAutofit/>
+            </a:bodyPr>
+            <a:lstStyle/>
+            <a:p>
+              <a:pPr algn="ctr"/>
+              <a:r>
+                <a:rPr lang="en-US" altLang="ko-KR" sz="1600" dirty="0">
+                  <a:solidFill>
+                    <a:srgbClr val="243066"/>
+                  </a:solidFill>
+                  <a:latin typeface="나눔스퀘어 ExtraBold" panose="020B0600000101010101" pitchFamily="50" charset="-127"/>
+                  <a:ea typeface="나눔스퀘어 ExtraBold" panose="020B0600000101010101" pitchFamily="50" charset="-127"/>
+                </a:rPr>
+                <a:t>Step 4</a:t>
+              </a:r>
+            </a:p>
+          </p:txBody>
+        </p:sp>
+        <p:sp>
+          <p:nvSpPr>
+            <p:cNvPr id="36" name="타원 35">
+              <a:extLst>
+                <a:ext uri="{FF2B5EF4-FFF2-40B4-BE49-F238E27FC236}">
+                  <a16:creationId xmlns:a16="http://schemas.microsoft.com/office/drawing/2014/main" id="{C5789D51-C0A7-40F0-A67E-941A7ED02D94}"/>
+                </a:ext>
+              </a:extLst>
+            </p:cNvPr>
+            <p:cNvSpPr/>
+            <p:nvPr/>
+          </p:nvSpPr>
+          <p:spPr>
+            <a:xfrm>
+              <a:off x="10195296" y="2031362"/>
+              <a:ext cx="2424537" cy="2310354"/>
+            </a:xfrm>
+            <a:prstGeom prst="ellipse">
+              <a:avLst/>
+            </a:prstGeom>
+            <a:solidFill>
+              <a:srgbClr val="243066"/>
+            </a:solidFill>
+            <a:ln w="57150">
+              <a:solidFill>
+                <a:srgbClr val="002060"/>
+              </a:solidFill>
+            </a:ln>
+          </p:spPr>
+          <p:style>
+            <a:lnRef idx="2">
+              <a:schemeClr val="accent1">
+                <a:shade val="50000"/>
+              </a:schemeClr>
+            </a:lnRef>
+            <a:fillRef idx="1">
+              <a:schemeClr val="accent1"/>
+            </a:fillRef>
+            <a:effectRef idx="0">
+              <a:schemeClr val="accent1"/>
+            </a:effectRef>
+            <a:fontRef idx="minor">
+              <a:schemeClr val="lt1"/>
+            </a:fontRef>
+          </p:style>
+          <p:txBody>
+            <a:bodyPr rtlCol="0" anchor="ctr"/>
+            <a:lstStyle/>
+            <a:p>
+              <a:pPr algn="ctr"/>
+              <a:endParaRPr lang="en-US" altLang="ko-KR" sz="1500" dirty="0">
+                <a:solidFill>
+                  <a:schemeClr val="bg1"/>
+                </a:solidFill>
+                <a:latin typeface="나눔스퀘어 ExtraBold" panose="020B0600000101010101" pitchFamily="50" charset="-127"/>
+                <a:ea typeface="나눔스퀘어 ExtraBold" panose="020B0600000101010101" pitchFamily="50" charset="-127"/>
+              </a:endParaRPr>
+            </a:p>
+            <a:p>
+              <a:pPr algn="ctr"/>
+              <a:r>
+                <a:rPr lang="ko-KR" altLang="en-US" sz="2800" dirty="0" err="1">
+                  <a:solidFill>
+                    <a:schemeClr val="bg1"/>
+                  </a:solidFill>
+                  <a:latin typeface="나눔스퀘어 ExtraBold" panose="020B0600000101010101" pitchFamily="50" charset="-127"/>
+                  <a:ea typeface="나눔스퀘어 ExtraBold" panose="020B0600000101010101" pitchFamily="50" charset="-127"/>
+                </a:rPr>
+                <a:t>해커톤</a:t>
+              </a:r>
+              <a:endParaRPr lang="en-US" altLang="ko-KR" sz="2800" dirty="0">
+                <a:solidFill>
+                  <a:schemeClr val="bg1"/>
+                </a:solidFill>
+                <a:latin typeface="나눔스퀘어 ExtraBold" panose="020B0600000101010101" pitchFamily="50" charset="-127"/>
+                <a:ea typeface="나눔스퀘어 ExtraBold" panose="020B0600000101010101" pitchFamily="50" charset="-127"/>
+              </a:endParaRPr>
+            </a:p>
+            <a:p>
+              <a:pPr algn="ctr"/>
+              <a:endParaRPr lang="en-US" altLang="ko-KR" sz="1000" dirty="0">
+                <a:solidFill>
+                  <a:schemeClr val="bg1"/>
+                </a:solidFill>
+              </a:endParaRPr>
+            </a:p>
+            <a:p>
+              <a:pPr algn="ctr"/>
+              <a:r>
+                <a:rPr lang="en-US" altLang="ko-KR" sz="1799" dirty="0">
+                  <a:solidFill>
+                    <a:schemeClr val="bg1"/>
+                  </a:solidFill>
+                </a:rPr>
+                <a:t>07/21~07/23</a:t>
+              </a:r>
+            </a:p>
+          </p:txBody>
+        </p:sp>
+        <p:sp>
+          <p:nvSpPr>
+            <p:cNvPr id="37" name="이등변 삼각형 36">
+              <a:extLst>
+                <a:ext uri="{FF2B5EF4-FFF2-40B4-BE49-F238E27FC236}">
+                  <a16:creationId xmlns:a16="http://schemas.microsoft.com/office/drawing/2014/main" id="{8709CCE4-727F-4CBB-81BB-B1BF146B93C6}"/>
+                </a:ext>
+              </a:extLst>
+            </p:cNvPr>
+            <p:cNvSpPr/>
+            <p:nvPr/>
+          </p:nvSpPr>
+          <p:spPr>
+            <a:xfrm rot="5400000">
+              <a:off x="9697914" y="3089694"/>
+              <a:ext cx="624115" cy="193691"/>
+            </a:xfrm>
+            <a:prstGeom prst="triangle">
+              <a:avLst/>
+            </a:prstGeom>
+            <a:solidFill>
+              <a:schemeClr val="bg1">
+                <a:lumMod val="75000"/>
+              </a:schemeClr>
+            </a:solidFill>
+            <a:ln>
+              <a:noFill/>
+            </a:ln>
+          </p:spPr>
+          <p:style>
+            <a:lnRef idx="2">
+              <a:schemeClr val="accent1">
+                <a:shade val="50000"/>
+              </a:schemeClr>
+            </a:lnRef>
+            <a:fillRef idx="1">
+              <a:schemeClr val="accent1"/>
+            </a:fillRef>
+            <a:effectRef idx="0">
+              <a:schemeClr val="accent1"/>
+            </a:effectRef>
+            <a:fontRef idx="minor">
+              <a:schemeClr val="lt1"/>
+            </a:fontRef>
+          </p:style>
+          <p:txBody>
+            <a:bodyPr rtlCol="0" anchor="ctr"/>
+            <a:lstStyle/>
+            <a:p>
+              <a:pPr algn="ctr"/>
+              <a:endParaRPr lang="ko-KR" altLang="en-US"/>
+            </a:p>
+          </p:txBody>
+        </p:sp>
+        <p:sp>
+          <p:nvSpPr>
+            <p:cNvPr id="39" name="자유형: 도형 38">
+              <a:extLst>
+                <a:ext uri="{FF2B5EF4-FFF2-40B4-BE49-F238E27FC236}">
+                  <a16:creationId xmlns:a16="http://schemas.microsoft.com/office/drawing/2014/main" id="{A433E362-DD83-409B-A454-201024FF8132}"/>
+                </a:ext>
+              </a:extLst>
+            </p:cNvPr>
+            <p:cNvSpPr/>
+            <p:nvPr/>
+          </p:nvSpPr>
+          <p:spPr>
+            <a:xfrm>
+              <a:off x="10386011" y="2031362"/>
+              <a:ext cx="2043106" cy="537958"/>
+            </a:xfrm>
+            <a:custGeom>
+              <a:avLst/>
+              <a:gdLst>
+                <a:gd name="connsiteX0" fmla="*/ 1021553 w 2043106"/>
+                <a:gd name="connsiteY0" fmla="*/ 0 h 537958"/>
+                <a:gd name="connsiteX1" fmla="*/ 2026786 w 2043106"/>
+                <a:gd name="connsiteY1" fmla="*/ 509306 h 537958"/>
+                <a:gd name="connsiteX2" fmla="*/ 2043106 w 2043106"/>
+                <a:gd name="connsiteY2" fmla="*/ 537958 h 537958"/>
+                <a:gd name="connsiteX3" fmla="*/ 0 w 2043106"/>
+                <a:gd name="connsiteY3" fmla="*/ 537958 h 537958"/>
+                <a:gd name="connsiteX4" fmla="*/ 16321 w 2043106"/>
+                <a:gd name="connsiteY4" fmla="*/ 509306 h 537958"/>
+                <a:gd name="connsiteX5" fmla="*/ 1021553 w 2043106"/>
+                <a:gd name="connsiteY5" fmla="*/ 0 h 537958"/>
+              </a:gdLst>
+              <a:ahLst/>
+              <a:cxnLst>
+                <a:cxn ang="0">
+                  <a:pos x="connsiteX0" y="connsiteY0"/>
+                </a:cxn>
+                <a:cxn ang="0">
+                  <a:pos x="connsiteX1" y="connsiteY1"/>
+                </a:cxn>
+                <a:cxn ang="0">
+                  <a:pos x="connsiteX2" y="connsiteY2"/>
+                </a:cxn>
+                <a:cxn ang="0">
+                  <a:pos x="connsiteX3" y="connsiteY3"/>
+                </a:cxn>
+                <a:cxn ang="0">
+                  <a:pos x="connsiteX4" y="connsiteY4"/>
+                </a:cxn>
+                <a:cxn ang="0">
+                  <a:pos x="connsiteX5" y="connsiteY5"/>
+                </a:cxn>
+              </a:cxnLst>
+              <a:rect l="l" t="t" r="r" b="b"/>
+              <a:pathLst>
+                <a:path w="2043106" h="537958">
+                  <a:moveTo>
+                    <a:pt x="1021553" y="0"/>
+                  </a:moveTo>
+                  <a:cubicBezTo>
+                    <a:pt x="1440002" y="0"/>
+                    <a:pt x="1808932" y="202027"/>
+                    <a:pt x="2026786" y="509306"/>
+                  </a:cubicBezTo>
+                  <a:lnTo>
+                    <a:pt x="2043106" y="537958"/>
+                  </a:lnTo>
+                  <a:lnTo>
+                    <a:pt x="0" y="537958"/>
+                  </a:lnTo>
+                  <a:lnTo>
+                    <a:pt x="16321" y="509306"/>
+                  </a:lnTo>
+                  <a:cubicBezTo>
+                    <a:pt x="234174" y="202027"/>
+                    <a:pt x="603104" y="0"/>
+                    <a:pt x="1021553" y="0"/>
+                  </a:cubicBezTo>
+                  <a:close/>
+                </a:path>
+              </a:pathLst>
+            </a:custGeom>
+            <a:solidFill>
+              <a:schemeClr val="bg1"/>
+            </a:solidFill>
+            <a:ln w="57150">
+              <a:noFill/>
+            </a:ln>
+          </p:spPr>
+          <p:style>
+            <a:lnRef idx="2">
+              <a:schemeClr val="accent1">
+                <a:shade val="50000"/>
+              </a:schemeClr>
+            </a:lnRef>
+            <a:fillRef idx="1">
+              <a:schemeClr val="accent1"/>
+            </a:fillRef>
+            <a:effectRef idx="0">
+              <a:schemeClr val="accent1"/>
+            </a:effectRef>
+            <a:fontRef idx="minor">
+              <a:schemeClr val="lt1"/>
+            </a:fontRef>
+          </p:style>
+          <p:txBody>
+            <a:bodyPr wrap="square" tIns="108000" rtlCol="0" anchor="ctr">
+              <a:noAutofit/>
+            </a:bodyPr>
+            <a:lstStyle/>
+            <a:p>
+              <a:pPr algn="ctr"/>
+              <a:r>
+                <a:rPr lang="en-US" altLang="ko-KR" sz="1600" dirty="0">
+                  <a:solidFill>
+                    <a:srgbClr val="243066"/>
+                  </a:solidFill>
+                  <a:latin typeface="나눔스퀘어 ExtraBold" panose="020B0600000101010101" pitchFamily="50" charset="-127"/>
+                  <a:ea typeface="나눔스퀘어 ExtraBold" panose="020B0600000101010101" pitchFamily="50" charset="-127"/>
+                </a:rPr>
+                <a:t>Step 5</a:t>
+              </a:r>
+            </a:p>
+          </p:txBody>
+        </p:sp>
+      </p:grpSp>
     </p:spTree>
     <p:extLst>
       <p:ext uri="{BB962C8B-B14F-4D97-AF65-F5344CB8AC3E}">
@@ -5969,7 +8249,7 @@
 </p:sld>
 </file>
 
-<file path=ppt/slides/slide4.xml><?xml version="1.0" encoding="utf-8"?>
+<file path=ppt/slides/slide5.xml><?xml version="1.0" encoding="utf-8"?>
 <p:sld xmlns:a="http://schemas.openxmlformats.org/drawingml/2006/main" xmlns:r="http://schemas.openxmlformats.org/officeDocument/2006/relationships" xmlns:p="http://schemas.openxmlformats.org/presentationml/2006/main">
   <p:cSld>
     <p:spTree>
@@ -7070,7 +9350,7 @@
 </p:sld>
 </file>
 
-<file path=ppt/slides/slide5.xml><?xml version="1.0" encoding="utf-8"?>
+<file path=ppt/slides/slide6.xml><?xml version="1.0" encoding="utf-8"?>
 <p:sld xmlns:a="http://schemas.openxmlformats.org/drawingml/2006/main" xmlns:r="http://schemas.openxmlformats.org/officeDocument/2006/relationships" xmlns:p="http://schemas.openxmlformats.org/presentationml/2006/main">
   <p:cSld>
     <p:spTree>
